--- a/Slides-RPR/2019-H1-DAA-L06-Time-Complexity.pptx
+++ b/Slides-RPR/2019-H1-DAA-L06-Time-Complexity.pptx
@@ -2381,10 +2381,10 @@
                 <a:cs typeface="Courier New"/>
                 <a:sym typeface="Courier New"/>
               </a:rPr>
-              <a:t>00…</a:t>
-            </a:r>
-            <a:r>
-              <a:t>0).</a:t>
+              <a:t>00…0</a:t>
+            </a:r>
+            <a:r>
+              <a:t>).</a:t>
             </a:r>
           </a:p>
           <a:p>
@@ -3326,8 +3326,8 @@
       </p:par>
     </p:tnLst>
     <p:bldLst>
+      <p:bldP build="p" bldLvl="5" animBg="1" rev="0" advAuto="0" spid="94" grpId="1"/>
       <p:bldP build="whole" bldLvl="1" animBg="1" rev="0" advAuto="0" spid="98" grpId="2"/>
-      <p:bldP build="p" bldLvl="5" animBg="1" rev="0" advAuto="0" spid="94" grpId="1"/>
     </p:bldLst>
   </p:timing>
 </p:sld>
@@ -3427,7 +3427,7 @@
               <a:defRPr sz="2900"/>
             </a:pPr>
             <a:r>
-              <a:t>Intuitvely, we think on the average 2 vectors will change</a:t>
+              <a:t>Intuitively, we think on the average 2 vectors will change</a:t>
             </a:r>
           </a:p>
           <a:p>
@@ -3581,31 +3581,34 @@
             </a:r>
           </a:p>
           <a:p>
-            <a:pPr lvl="1">
+            <a:pPr lvl="1" marL="671184" indent="-275896">
               <a:spcBef>
                 <a:spcPts val="100"/>
               </a:spcBef>
               <a:defRPr sz="2900"/>
             </a:pPr>
             <a:r>
+              <a:rPr sz="2800"/>
               <a:t>On 2</a:t>
             </a:r>
             <a:r>
-              <a:rPr baseline="31999"/>
+              <a:rPr baseline="31999" sz="2800"/>
               <a:t>nd</a:t>
             </a:r>
             <a:r>
+              <a:rPr sz="2800"/>
               <a:t> invocation of </a:t>
             </a:r>
             <a:r>
-              <a:rPr i="1"/>
+              <a:rPr i="1" sz="2800"/>
               <a:t>NextSubset</a:t>
             </a:r>
             <a:r>
+              <a:rPr sz="2800"/>
               <a:t>, the credit of </a:t>
             </a:r>
             <a:r>
-              <a:rPr>
+              <a:rPr sz="2800">
                 <a:latin typeface="Courier New"/>
                 <a:ea typeface="Courier New"/>
                 <a:cs typeface="Courier New"/>
@@ -3614,10 +3617,11 @@
               <a:t>x[n]</a:t>
             </a:r>
             <a:r>
+              <a:rPr sz="2800"/>
               <a:t> is used to change </a:t>
             </a:r>
             <a:r>
-              <a:rPr>
+              <a:rPr sz="2800">
                 <a:latin typeface="Courier New"/>
                 <a:ea typeface="Courier New"/>
                 <a:cs typeface="Courier New"/>
@@ -3626,10 +3630,11 @@
               <a:t>1</a:t>
             </a:r>
             <a:r>
+              <a:rPr sz="2800"/>
               <a:t> to </a:t>
             </a:r>
             <a:r>
-              <a:rPr>
+              <a:rPr sz="2800">
                 <a:latin typeface="Courier New"/>
                 <a:ea typeface="Courier New"/>
                 <a:cs typeface="Courier New"/>
@@ -3638,10 +3643,11 @@
               <a:t>0</a:t>
             </a:r>
             <a:r>
+              <a:rPr sz="2800"/>
               <a:t>, </a:t>
             </a:r>
             <a:r>
-              <a:rPr>
+              <a:rPr sz="2800">
                 <a:latin typeface="Courier New"/>
                 <a:ea typeface="Courier New"/>
                 <a:cs typeface="Courier New"/>
@@ -3650,10 +3656,11 @@
               <a:t>1</a:t>
             </a:r>
             <a:r>
+              <a:rPr sz="2800"/>
               <a:t> cost (from amortized cost of 2) is used to change </a:t>
             </a:r>
             <a:r>
-              <a:rPr>
+              <a:rPr sz="2800">
                 <a:latin typeface="Courier New"/>
                 <a:ea typeface="Courier New"/>
                 <a:cs typeface="Courier New"/>
@@ -3662,10 +3669,24 @@
               <a:t>x[n-1]</a:t>
             </a:r>
             <a:r>
-              <a:t>, 1 credit goes to </a:t>
-            </a:r>
-            <a:r>
-              <a:rPr>
+              <a:rPr sz="2800"/>
+              <a:t>, </a:t>
+            </a:r>
+            <a:r>
+              <a:rPr sz="2800">
+                <a:latin typeface="Courier New"/>
+                <a:ea typeface="Courier New"/>
+                <a:cs typeface="Courier New"/>
+                <a:sym typeface="Courier New"/>
+              </a:rPr>
+              <a:t>1</a:t>
+            </a:r>
+            <a:r>
+              <a:rPr sz="2800"/>
+              <a:t> credit goes to </a:t>
+            </a:r>
+            <a:r>
+              <a:rPr sz="2800">
                 <a:latin typeface="Courier New"/>
                 <a:ea typeface="Courier New"/>
                 <a:cs typeface="Courier New"/>
@@ -4634,10 +4655,10 @@
             </a:r>
             <a:r>
               <a:rPr>
-                <a:latin typeface="+mn-lt"/>
-                <a:ea typeface="+mn-ea"/>
-                <a:cs typeface="+mn-cs"/>
-                <a:sym typeface="Gill Sans"/>
+                <a:latin typeface="Courier New"/>
+                <a:ea typeface="Courier New"/>
+                <a:cs typeface="Courier New"/>
+                <a:sym typeface="Courier New"/>
               </a:rPr>
               <a:t>1</a:t>
             </a:r>
@@ -4752,7 +4773,19 @@
               <a:t>0</a:t>
             </a:r>
             <a:r>
-              <a:t>. 1 unit cost from amortized cost of </a:t>
+              <a:t>. </a:t>
+            </a:r>
+            <a:r>
+              <a:rPr>
+                <a:latin typeface="Courier New"/>
+                <a:ea typeface="Courier New"/>
+                <a:cs typeface="Courier New"/>
+                <a:sym typeface="Courier New"/>
+              </a:rPr>
+              <a:t>1</a:t>
+            </a:r>
+            <a:r>
+              <a:t> unit cost from amortized cost of </a:t>
             </a:r>
             <a:r>
               <a:rPr>
@@ -4843,7 +4876,7 @@
               <a:t>0</a:t>
             </a:r>
             <a:r>
-              <a:t> it zero.</a:t>
+              <a:t> is zero.</a:t>
             </a:r>
           </a:p>
         </p:txBody>
@@ -5984,7 +6017,19 @@
               <a:t>’</a:t>
             </a:r>
             <a:r>
-              <a:t>s that are in </a:t>
+              <a:t>s that are </a:t>
+            </a:r>
+            <a:r>
+              <a:rPr>
+                <a:latin typeface="Courier New"/>
+                <a:ea typeface="Courier New"/>
+                <a:cs typeface="Courier New"/>
+                <a:sym typeface="Courier New"/>
+              </a:rPr>
+              <a:t>1</a:t>
+            </a:r>
+            <a:r>
+              <a:t> in </a:t>
             </a:r>
             <a:r>
               <a:rPr>
@@ -7509,13 +7554,31 @@
           <a:p>
             <a:pPr lvl="1"/>
             <a:r>
-              <a:t>C(n): Count of basic operations of an algorithm</a:t>
+              <a:rPr>
+                <a:latin typeface="Courier New"/>
+                <a:ea typeface="Courier New"/>
+                <a:cs typeface="Courier New"/>
+                <a:sym typeface="Courier New"/>
+              </a:rPr>
+              <a:t>C(n)</a:t>
+            </a:r>
+            <a:r>
+              <a:t>: Count of basic operations of an algorithm</a:t>
             </a:r>
           </a:p>
           <a:p>
             <a:pPr lvl="1"/>
             <a:r>
-              <a:t>g(n): Some simple function for comparison purpose</a:t>
+              <a:rPr>
+                <a:latin typeface="Courier New"/>
+                <a:ea typeface="Courier New"/>
+                <a:cs typeface="Courier New"/>
+                <a:sym typeface="Courier New"/>
+              </a:rPr>
+              <a:t>g(n)</a:t>
+            </a:r>
+            <a:r>
+              <a:t>: Some simple function for comparison purpose</a:t>
             </a:r>
           </a:p>
           <a:p>
@@ -7527,7 +7590,16 @@
           <a:p>
             <a:pPr lvl="1"/>
             <a:r>
-              <a:t>t(n): running time of algorithm indicated by C(n)</a:t>
+              <a:rPr>
+                <a:latin typeface="Courier New"/>
+                <a:ea typeface="Courier New"/>
+                <a:cs typeface="Courier New"/>
+                <a:sym typeface="Courier New"/>
+              </a:rPr>
+              <a:t>T(n)</a:t>
+            </a:r>
+            <a:r>
+              <a:t>: running time of algorithm indicated by C(n)</a:t>
             </a:r>
           </a:p>
           <a:p>
@@ -9288,7 +9360,7 @@
               <a:t>t(n)</a:t>
             </a:r>
             <a:r>
-              <a:t> is bounded above by some +ve constant multiple of </a:t>
+              <a:t> is bounded above by some </a:t>
             </a:r>
             <a:r>
               <a:rPr>
@@ -9297,10 +9369,34 @@
                 <a:cs typeface="Courier New"/>
                 <a:sym typeface="Courier New"/>
               </a:rPr>
+              <a:t>+ve</a:t>
+            </a:r>
+            <a:r>
+              <a:t> constant multiple of </a:t>
+            </a:r>
+            <a:r>
+              <a:rPr>
+                <a:latin typeface="Courier New"/>
+                <a:ea typeface="Courier New"/>
+                <a:cs typeface="Courier New"/>
+                <a:sym typeface="Courier New"/>
+              </a:rPr>
               <a:t>g(n)</a:t>
             </a:r>
             <a:r>
-              <a:t> for large n, i.e. </a:t>
+              <a:t> for large </a:t>
+            </a:r>
+            <a:r>
+              <a:rPr>
+                <a:latin typeface="Courier New"/>
+                <a:ea typeface="Courier New"/>
+                <a:cs typeface="Courier New"/>
+                <a:sym typeface="Courier New"/>
+              </a:rPr>
+              <a:t>n</a:t>
+            </a:r>
+            <a:r>
+              <a:t>, i.e. </a:t>
             </a:r>
             <a:r>
               <a:rPr>
@@ -10375,7 +10471,7 @@
           <a:p>
             <a:pPr/>
             <a:r>
-              <a:t>Text Book: Horowitz</a:t>
+              <a:t>Text Book II: Horowitz</a:t>
             </a:r>
           </a:p>
         </p:txBody>
@@ -20044,8 +20140,8 @@
       </p:par>
     </p:tnLst>
     <p:bldLst>
+      <p:bldP build="p" bldLvl="5" animBg="1" rev="0" advAuto="0" spid="45" grpId="1"/>
       <p:bldP build="p" bldLvl="5" animBg="1" rev="0" advAuto="0" spid="50" grpId="3"/>
-      <p:bldP build="p" bldLvl="5" animBg="1" rev="0" advAuto="0" spid="45" grpId="1"/>
       <p:bldP build="whole" bldLvl="1" animBg="1" rev="0" advAuto="0" spid="49" grpId="2"/>
     </p:bldLst>
   </p:timing>
@@ -20126,7 +20222,7 @@
               </a:spcBef>
             </a:pPr>
             <a:r>
-              <a:t>Consider that you eat dinner out every day and actuall cost of dinner typically is as follows. </a:t>
+              <a:t>Consider that you eat out dinner every day and actual cost of dinner on daily basis is typically as follows. </a:t>
             </a:r>
           </a:p>
           <a:p>
@@ -23216,11 +23312,11 @@
       </p:par>
     </p:tnLst>
     <p:bldLst>
+      <p:bldP build="whole" bldLvl="1" animBg="1" rev="0" advAuto="0" spid="64" grpId="3"/>
       <p:bldP build="whole" bldLvl="1" animBg="1" rev="0" advAuto="0" spid="66" grpId="5"/>
       <p:bldP build="p" bldLvl="5" animBg="1" rev="0" advAuto="0" spid="59" grpId="1"/>
       <p:bldP build="whole" bldLvl="1" animBg="1" rev="0" advAuto="0" spid="65" grpId="4"/>
       <p:bldP build="whole" bldLvl="1" animBg="1" rev="0" advAuto="0" spid="63" grpId="2"/>
-      <p:bldP build="whole" bldLvl="1" animBg="1" rev="0" advAuto="0" spid="64" grpId="3"/>
     </p:bldLst>
   </p:timing>
 </p:sld>
@@ -23354,7 +23450,7 @@
               <a:t>i</a:t>
             </a:r>
             <a:r>
-              <a:t> operations have been overcharnged.</a:t>
+              <a:t> operations have been over charged.</a:t>
             </a:r>
           </a:p>
           <a:p>
@@ -24308,7 +24404,19 @@
               <a:defRPr sz="2800"/>
             </a:pPr>
             <a:r>
-              <a:t>Determine an upper bound for the sum of n operations. </a:t>
+              <a:t>Determine an upper bound for the sum of </a:t>
+            </a:r>
+            <a:r>
+              <a:rPr>
+                <a:latin typeface="Courier New"/>
+                <a:ea typeface="Courier New"/>
+                <a:cs typeface="Courier New"/>
+                <a:sym typeface="Courier New"/>
+              </a:rPr>
+              <a:t>n</a:t>
+            </a:r>
+            <a:r>
+              <a:t> operations. </a:t>
             </a:r>
           </a:p>
           <a:p>
@@ -24318,7 +24426,19 @@
               </a:spcBef>
             </a:pPr>
             <a:r>
-              <a:t>Divide the amount by n to get amortized cost</a:t>
+              <a:t>Divide the amount by </a:t>
+            </a:r>
+            <a:r>
+              <a:rPr>
+                <a:latin typeface="Courier New"/>
+                <a:ea typeface="Courier New"/>
+                <a:cs typeface="Courier New"/>
+                <a:sym typeface="Courier New"/>
+              </a:rPr>
+              <a:t>n</a:t>
+            </a:r>
+            <a:r>
+              <a:t> to get amortized cost</a:t>
             </a:r>
           </a:p>
           <a:p>
@@ -24390,7 +24510,7 @@
               <a:defRPr sz="2800"/>
             </a:pPr>
             <a:r>
-              <a:t>Guess an amount show that P(i) satisfies eqn (2 &amp; (3) i.e.</a:t>
+              <a:t>Guess an amount, show that P(i) satisfies eqn 2 &amp; 3 i.e.</a:t>
             </a:r>
           </a:p>
           <a:p>
@@ -25337,7 +25457,7 @@
           <a:p>
             <a:pPr lvl="1"/>
             <a:r>
-              <a:t>Some applications this is the only way</a:t>
+              <a:t>For some applications, this is the only way</a:t>
             </a:r>
           </a:p>
         </p:txBody>
@@ -26146,22 +26266,16 @@
                 <a:cs typeface="Courier New"/>
                 <a:sym typeface="Courier New"/>
               </a:rPr>
-              <a:t>1</a:t>
-            </a:r>
-            <a:r>
-              <a:t> </a:t>
+              <a:t>1,</a:t>
             </a:r>
             <a:r>
               <a:rPr>
-                <a:latin typeface="Courier New"/>
-                <a:ea typeface="Courier New"/>
-                <a:cs typeface="Courier New"/>
-                <a:sym typeface="Courier New"/>
-              </a:rPr>
-              <a:t>iff</a:t>
-            </a:r>
-            <a:r>
-              <a:t> </a:t>
+                <a:latin typeface="Gill Sans MT"/>
+                <a:ea typeface="Gill Sans MT"/>
+                <a:cs typeface="Gill Sans MT"/>
+                <a:sym typeface="Gill Sans MT"/>
+              </a:rPr>
+              <a:t> iff </a:t>
             </a:r>
             <a:r>
               <a:rPr>

--- a/Slides-RPR/2019-H1-DAA-L06-Time-Complexity.pptx
+++ b/Slides-RPR/2019-H1-DAA-L06-Time-Complexity.pptx
@@ -3326,8 +3326,8 @@
       </p:par>
     </p:tnLst>
     <p:bldLst>
+      <p:bldP build="whole" bldLvl="1" animBg="1" rev="0" advAuto="0" spid="98" grpId="2"/>
       <p:bldP build="p" bldLvl="5" animBg="1" rev="0" advAuto="0" spid="94" grpId="1"/>
-      <p:bldP build="whole" bldLvl="1" animBg="1" rev="0" advAuto="0" spid="98" grpId="2"/>
     </p:bldLst>
   </p:timing>
 </p:sld>
@@ -17449,796 +17449,7 @@
       </p:sp>
       <p:sp>
         <p:nvSpPr>
-          <p:cNvPr id="219" name="Σl≤i≤n1 = 1+1+…+1 = n, ⇒ n ∈ Θ(n)…"/>
-          <p:cNvSpPr txBox="1"/>
-          <p:nvPr>
-            <p:ph type="body" idx="1"/>
-          </p:nvPr>
-        </p:nvSpPr>
-        <p:spPr>
-          <a:prstGeom prst="rect">
-            <a:avLst/>
-          </a:prstGeom>
-        </p:spPr>
-        <p:txBody>
-          <a:bodyPr/>
-          <a:lstStyle/>
-          <a:p>
-            <a:pPr>
-              <a:spcBef>
-                <a:spcPts val="600"/>
-              </a:spcBef>
-            </a:pPr>
-            <a:r>
-              <a:rPr>
-                <a:latin typeface="Courier New"/>
-                <a:ea typeface="Courier New"/>
-                <a:cs typeface="Courier New"/>
-                <a:sym typeface="Courier New"/>
-              </a:rPr>
-              <a:t>Σ</a:t>
-            </a:r>
-            <a:r>
-              <a:rPr baseline="-20250" i="1">
-                <a:latin typeface="Courier New"/>
-                <a:ea typeface="Courier New"/>
-                <a:cs typeface="Courier New"/>
-                <a:sym typeface="Courier New"/>
-              </a:rPr>
-              <a:t>l</a:t>
-            </a:r>
-            <a:r>
-              <a:rPr baseline="-20250">
-                <a:latin typeface="Courier New"/>
-                <a:ea typeface="Courier New"/>
-                <a:cs typeface="Courier New"/>
-                <a:sym typeface="Courier New"/>
-              </a:rPr>
-              <a:t>≤</a:t>
-            </a:r>
-            <a:r>
-              <a:rPr baseline="-20250" i="1">
-                <a:latin typeface="Courier New"/>
-                <a:ea typeface="Courier New"/>
-                <a:cs typeface="Courier New"/>
-                <a:sym typeface="Courier New"/>
-              </a:rPr>
-              <a:t>i</a:t>
-            </a:r>
-            <a:r>
-              <a:rPr baseline="-20250">
-                <a:latin typeface="Courier New"/>
-                <a:ea typeface="Courier New"/>
-                <a:cs typeface="Courier New"/>
-                <a:sym typeface="Courier New"/>
-              </a:rPr>
-              <a:t>≤</a:t>
-            </a:r>
-            <a:r>
-              <a:rPr baseline="-20250" i="1">
-                <a:latin typeface="Courier New"/>
-                <a:ea typeface="Courier New"/>
-                <a:cs typeface="Courier New"/>
-                <a:sym typeface="Courier New"/>
-              </a:rPr>
-              <a:t>n</a:t>
-            </a:r>
-            <a:r>
-              <a:rPr>
-                <a:latin typeface="Courier New"/>
-                <a:ea typeface="Courier New"/>
-                <a:cs typeface="Courier New"/>
-                <a:sym typeface="Courier New"/>
-              </a:rPr>
-              <a:t>1 = 1+1+…+1 = </a:t>
-            </a:r>
-            <a:r>
-              <a:rPr i="1">
-                <a:latin typeface="Courier New"/>
-                <a:ea typeface="Courier New"/>
-                <a:cs typeface="Courier New"/>
-                <a:sym typeface="Courier New"/>
-              </a:rPr>
-              <a:t>n, </a:t>
-            </a:r>
-            <a:r>
-              <a:t>⇒ </a:t>
-            </a:r>
-            <a:r>
-              <a:rPr i="1">
-                <a:latin typeface="Times New Roman"/>
-                <a:ea typeface="Times New Roman"/>
-                <a:cs typeface="Times New Roman"/>
-                <a:sym typeface="Times New Roman"/>
-              </a:rPr>
-              <a:t>n </a:t>
-            </a:r>
-            <a:r>
-              <a:rPr>
-                <a:latin typeface="Symbol"/>
-                <a:ea typeface="Symbol"/>
-                <a:cs typeface="Symbol"/>
-                <a:sym typeface="Symbol"/>
-              </a:rPr>
-              <a:t>Î Q</a:t>
-            </a:r>
-            <a:r>
-              <a:t>(</a:t>
-            </a:r>
-            <a:r>
-              <a:rPr i="1">
-                <a:latin typeface="Times New Roman"/>
-                <a:ea typeface="Times New Roman"/>
-                <a:cs typeface="Times New Roman"/>
-                <a:sym typeface="Times New Roman"/>
-              </a:rPr>
-              <a:t>n</a:t>
-            </a:r>
-            <a:r>
-              <a:t>)</a:t>
-            </a:r>
-            <a:endParaRPr>
-              <a:latin typeface="Courier New"/>
-              <a:ea typeface="Courier New"/>
-              <a:cs typeface="Courier New"/>
-              <a:sym typeface="Courier New"/>
-            </a:endParaRPr>
-          </a:p>
-          <a:p>
-            <a:pPr>
-              <a:spcBef>
-                <a:spcPts val="600"/>
-              </a:spcBef>
-              <a:defRPr sz="3000">
-                <a:latin typeface="Courier New"/>
-                <a:ea typeface="Courier New"/>
-                <a:cs typeface="Courier New"/>
-                <a:sym typeface="Courier New"/>
-              </a:defRPr>
-            </a:pPr>
-            <a:r>
-              <a:t>Σ</a:t>
-            </a:r>
-            <a:r>
-              <a:rPr baseline="-21199"/>
-              <a:t>1≤</a:t>
-            </a:r>
-            <a:r>
-              <a:rPr baseline="-21199" i="1"/>
-              <a:t>i</a:t>
-            </a:r>
-            <a:r>
-              <a:rPr baseline="-21199"/>
-              <a:t>≤</a:t>
-            </a:r>
-            <a:r>
-              <a:rPr baseline="-21199" i="1"/>
-              <a:t>n</a:t>
-            </a:r>
-            <a:r>
-              <a:rPr baseline="-21199"/>
-              <a:t> </a:t>
-            </a:r>
-            <a:r>
-              <a:rPr i="1"/>
-              <a:t>i</a:t>
-            </a:r>
-            <a:r>
-              <a:t>=1+2+…+</a:t>
-            </a:r>
-            <a:r>
-              <a:rPr i="1"/>
-              <a:t>n</a:t>
-            </a:r>
-            <a:r>
-              <a:t>=</a:t>
-            </a:r>
-            <a:r>
-              <a:rPr i="1"/>
-              <a:t>n</a:t>
-            </a:r>
-            <a:r>
-              <a:t>(</a:t>
-            </a:r>
-            <a:r>
-              <a:rPr i="1"/>
-              <a:t>n</a:t>
-            </a:r>
-            <a:r>
-              <a:t>+1)/2 ≈</a:t>
-            </a:r>
-            <a:r>
-              <a:rPr i="1"/>
-              <a:t>n</a:t>
-            </a:r>
-            <a:r>
-              <a:rPr baseline="30399"/>
-              <a:t>2</a:t>
-            </a:r>
-            <a:r>
-              <a:t>/2 ∈ Θ(</a:t>
-            </a:r>
-            <a:r>
-              <a:rPr i="1"/>
-              <a:t>n</a:t>
-            </a:r>
-            <a:r>
-              <a:rPr baseline="30399"/>
-              <a:t>2</a:t>
-            </a:r>
-            <a:r>
-              <a:t>)</a:t>
-            </a:r>
-          </a:p>
-          <a:p>
-            <a:pPr>
-              <a:spcBef>
-                <a:spcPts val="600"/>
-              </a:spcBef>
-              <a:defRPr sz="3000">
-                <a:latin typeface="Courier New"/>
-                <a:ea typeface="Courier New"/>
-                <a:cs typeface="Courier New"/>
-                <a:sym typeface="Courier New"/>
-              </a:defRPr>
-            </a:pPr>
-            <a:r>
-              <a:t>Σ</a:t>
-            </a:r>
-            <a:r>
-              <a:rPr baseline="-21199"/>
-              <a:t>1≤</a:t>
-            </a:r>
-            <a:r>
-              <a:rPr baseline="-21199" i="1"/>
-              <a:t>i</a:t>
-            </a:r>
-            <a:r>
-              <a:rPr baseline="-21199"/>
-              <a:t>≤</a:t>
-            </a:r>
-            <a:r>
-              <a:rPr baseline="-21199" i="1"/>
-              <a:t>n</a:t>
-            </a:r>
-            <a:r>
-              <a:rPr baseline="-21199"/>
-              <a:t> </a:t>
-            </a:r>
-            <a:r>
-              <a:rPr i="1"/>
-              <a:t>i</a:t>
-            </a:r>
-            <a:r>
-              <a:rPr baseline="30399"/>
-              <a:t>2</a:t>
-            </a:r>
-            <a:r>
-              <a:t> = 1</a:t>
-            </a:r>
-            <a:r>
-              <a:rPr baseline="30399"/>
-              <a:t>2</a:t>
-            </a:r>
-            <a:r>
-              <a:t>+2</a:t>
-            </a:r>
-            <a:r>
-              <a:rPr baseline="30399"/>
-              <a:t>2</a:t>
-            </a:r>
-            <a:r>
-              <a:t>+…+</a:t>
-            </a:r>
-            <a:r>
-              <a:rPr i="1"/>
-              <a:t>n</a:t>
-            </a:r>
-            <a:r>
-              <a:rPr baseline="30399"/>
-              <a:t>2</a:t>
-            </a:r>
-            <a:r>
-              <a:t> = </a:t>
-            </a:r>
-            <a:r>
-              <a:rPr i="1"/>
-              <a:t>n</a:t>
-            </a:r>
-            <a:r>
-              <a:t>(</a:t>
-            </a:r>
-            <a:r>
-              <a:rPr i="1"/>
-              <a:t>n</a:t>
-            </a:r>
-            <a:r>
-              <a:t>+1)(2</a:t>
-            </a:r>
-            <a:r>
-              <a:rPr i="1"/>
-              <a:t>n</a:t>
-            </a:r>
-            <a:r>
-              <a:t>+1)/6 </a:t>
-            </a:r>
-          </a:p>
-          <a:p>
-            <a:pPr lvl="2" marL="0" indent="457200">
-              <a:spcBef>
-                <a:spcPts val="600"/>
-              </a:spcBef>
-              <a:buSzTx/>
-              <a:buNone/>
-              <a:defRPr sz="3000">
-                <a:latin typeface="Courier New"/>
-                <a:ea typeface="Courier New"/>
-                <a:cs typeface="Courier New"/>
-                <a:sym typeface="Courier New"/>
-              </a:defRPr>
-            </a:pPr>
-            <a:r>
-              <a:t>≈ </a:t>
-            </a:r>
-            <a:r>
-              <a:rPr i="1"/>
-              <a:t>n</a:t>
-            </a:r>
-            <a:r>
-              <a:rPr baseline="30399"/>
-              <a:t>3</a:t>
-            </a:r>
-            <a:r>
-              <a:t>/3 ∈ Θ(</a:t>
-            </a:r>
-            <a:r>
-              <a:rPr i="1"/>
-              <a:t>n</a:t>
-            </a:r>
-            <a:r>
-              <a:rPr baseline="30399"/>
-              <a:t>3</a:t>
-            </a:r>
-            <a:r>
-              <a:t>)</a:t>
-            </a:r>
-          </a:p>
-          <a:p>
-            <a:pPr marL="342246" indent="-302558">
-              <a:spcBef>
-                <a:spcPts val="600"/>
-              </a:spcBef>
-              <a:defRPr sz="2900">
-                <a:latin typeface="Courier New"/>
-                <a:ea typeface="Courier New"/>
-                <a:cs typeface="Courier New"/>
-                <a:sym typeface="Courier New"/>
-              </a:defRPr>
-            </a:pPr>
-            <a:r>
-              <a:t>Σ</a:t>
-            </a:r>
-            <a:r>
-              <a:rPr baseline="-21724"/>
-              <a:t>0≤</a:t>
-            </a:r>
-            <a:r>
-              <a:rPr baseline="-21724" i="1"/>
-              <a:t>i</a:t>
-            </a:r>
-            <a:r>
-              <a:rPr baseline="-21724"/>
-              <a:t>≤</a:t>
-            </a:r>
-            <a:r>
-              <a:rPr baseline="-21724" i="1"/>
-              <a:t>n</a:t>
-            </a:r>
-            <a:r>
-              <a:t>2</a:t>
-            </a:r>
-            <a:r>
-              <a:rPr baseline="30344" i="1"/>
-              <a:t>i</a:t>
-            </a:r>
-            <a:r>
-              <a:rPr baseline="30344"/>
-              <a:t> </a:t>
-            </a:r>
-            <a:r>
-              <a:t>= 2</a:t>
-            </a:r>
-            <a:r>
-              <a:rPr baseline="30344"/>
-              <a:t>0 </a:t>
-            </a:r>
-            <a:r>
-              <a:t>+ 2</a:t>
-            </a:r>
-            <a:r>
-              <a:rPr baseline="30344"/>
-              <a:t>1 </a:t>
-            </a:r>
-            <a:r>
-              <a:t>+…+ 2</a:t>
-            </a:r>
-            <a:r>
-              <a:rPr baseline="30344" i="1"/>
-              <a:t>n</a:t>
-            </a:r>
-            <a:r>
-              <a:rPr baseline="30344"/>
-              <a:t> </a:t>
-            </a:r>
-            <a:r>
-              <a:t>= 2</a:t>
-            </a:r>
-            <a:r>
-              <a:rPr baseline="30344" i="1"/>
-              <a:t>n</a:t>
-            </a:r>
-            <a:r>
-              <a:rPr baseline="30344"/>
-              <a:t>+1</a:t>
-            </a:r>
-            <a:r>
-              <a:t>-1 ∈ Θ(2</a:t>
-            </a:r>
-            <a:r>
-              <a:rPr baseline="30344" i="1"/>
-              <a:t>n</a:t>
-            </a:r>
-            <a:r>
-              <a:t>)</a:t>
-            </a:r>
-          </a:p>
-          <a:p>
-            <a:pPr marL="342246" indent="-302558">
-              <a:spcBef>
-                <a:spcPts val="600"/>
-              </a:spcBef>
-              <a:defRPr sz="2900">
-                <a:latin typeface="Courier New"/>
-                <a:ea typeface="Courier New"/>
-                <a:cs typeface="Courier New"/>
-                <a:sym typeface="Courier New"/>
-              </a:defRPr>
-            </a:pPr>
-            <a:r>
-              <a:t>Σ</a:t>
-            </a:r>
-            <a:r>
-              <a:rPr baseline="-21724"/>
-              <a:t>0≤</a:t>
-            </a:r>
-            <a:r>
-              <a:rPr baseline="-21724" i="1"/>
-              <a:t>i</a:t>
-            </a:r>
-            <a:r>
-              <a:rPr baseline="-21724"/>
-              <a:t>≤</a:t>
-            </a:r>
-            <a:r>
-              <a:rPr baseline="-21724" i="1"/>
-              <a:t>n</a:t>
-            </a:r>
-            <a:r>
-              <a:rPr baseline="-21724"/>
-              <a:t> </a:t>
-            </a:r>
-            <a:r>
-              <a:rPr i="1"/>
-              <a:t>a</a:t>
-            </a:r>
-            <a:r>
-              <a:rPr baseline="30344" i="1"/>
-              <a:t>i</a:t>
-            </a:r>
-            <a:r>
-              <a:rPr baseline="30344"/>
-              <a:t> </a:t>
-            </a:r>
-            <a:r>
-              <a:t>=1+</a:t>
-            </a:r>
-            <a:r>
-              <a:rPr i="1"/>
-              <a:t>a</a:t>
-            </a:r>
-            <a:r>
-              <a:t>+…+</a:t>
-            </a:r>
-            <a:r>
-              <a:rPr i="1"/>
-              <a:t>a</a:t>
-            </a:r>
-            <a:r>
-              <a:rPr baseline="30344" i="1"/>
-              <a:t>n</a:t>
-            </a:r>
-            <a:r>
-              <a:rPr baseline="30344"/>
-              <a:t> </a:t>
-            </a:r>
-            <a:r>
-              <a:t>=(</a:t>
-            </a:r>
-            <a:r>
-              <a:rPr i="1"/>
-              <a:t>a</a:t>
-            </a:r>
-            <a:r>
-              <a:rPr baseline="30344" i="1"/>
-              <a:t>n</a:t>
-            </a:r>
-            <a:r>
-              <a:rPr baseline="30344"/>
-              <a:t>+1</a:t>
-            </a:r>
-            <a:r>
-              <a:t>-1)/(</a:t>
-            </a:r>
-            <a:r>
-              <a:rPr i="1"/>
-              <a:t>a</a:t>
-            </a:r>
-            <a:r>
-              <a:t>-1)</a:t>
-            </a:r>
-            <a:r>
-              <a:rPr>
-                <a:latin typeface="Gill Sans MT"/>
-                <a:ea typeface="Gill Sans MT"/>
-                <a:cs typeface="Gill Sans MT"/>
-                <a:sym typeface="Gill Sans MT"/>
-              </a:rPr>
-              <a:t> for any </a:t>
-            </a:r>
-            <a:r>
-              <a:rPr i="1"/>
-              <a:t>a</a:t>
-            </a:r>
-            <a:r>
-              <a:t>≠1</a:t>
-            </a:r>
-          </a:p>
-          <a:p>
-            <a:pPr marL="342246" indent="-302558">
-              <a:spcBef>
-                <a:spcPts val="600"/>
-              </a:spcBef>
-              <a:defRPr sz="2900">
-                <a:latin typeface="Courier New"/>
-                <a:ea typeface="Courier New"/>
-                <a:cs typeface="Courier New"/>
-                <a:sym typeface="Courier New"/>
-              </a:defRPr>
-            </a:pPr>
-            <a:r>
-              <a:t>Σ(</a:t>
-            </a:r>
-            <a:r>
-              <a:rPr i="1"/>
-              <a:t>a</a:t>
-            </a:r>
-            <a:r>
-              <a:rPr baseline="-21724" i="1"/>
-              <a:t>i</a:t>
-            </a:r>
-            <a:r>
-              <a:rPr baseline="-21724"/>
-              <a:t> </a:t>
-            </a:r>
-            <a:r>
-              <a:t>± </a:t>
-            </a:r>
-            <a:r>
-              <a:rPr i="1"/>
-              <a:t>b</a:t>
-            </a:r>
-            <a:r>
-              <a:rPr baseline="-21724" i="1"/>
-              <a:t>i</a:t>
-            </a:r>
-            <a:r>
-              <a:t>)= Σ</a:t>
-            </a:r>
-            <a:r>
-              <a:rPr i="1"/>
-              <a:t>a</a:t>
-            </a:r>
-            <a:r>
-              <a:rPr baseline="-21724" i="1"/>
-              <a:t>i</a:t>
-            </a:r>
-            <a:r>
-              <a:rPr baseline="-21724"/>
-              <a:t> </a:t>
-            </a:r>
-            <a:r>
-              <a:t>± Σ</a:t>
-            </a:r>
-            <a:r>
-              <a:rPr i="1"/>
-              <a:t>b</a:t>
-            </a:r>
-            <a:r>
-              <a:rPr baseline="-21724" i="1"/>
-              <a:t>i         </a:t>
-            </a:r>
-            <a:endParaRPr baseline="-21724" i="1"/>
-          </a:p>
-          <a:p>
-            <a:pPr marL="342246" indent="-302558">
-              <a:spcBef>
-                <a:spcPts val="600"/>
-              </a:spcBef>
-              <a:defRPr sz="2900">
-                <a:latin typeface="Courier New"/>
-                <a:ea typeface="Courier New"/>
-                <a:cs typeface="Courier New"/>
-                <a:sym typeface="Courier New"/>
-              </a:defRPr>
-            </a:pPr>
-            <a:r>
-              <a:t>Σ</a:t>
-            </a:r>
-            <a:r>
-              <a:rPr i="1"/>
-              <a:t>ca</a:t>
-            </a:r>
-            <a:r>
-              <a:rPr baseline="-21724" i="1"/>
-              <a:t>i</a:t>
-            </a:r>
-            <a:r>
-              <a:rPr baseline="-21724"/>
-              <a:t> </a:t>
-            </a:r>
-            <a:r>
-              <a:t>= </a:t>
-            </a:r>
-            <a:r>
-              <a:rPr i="1"/>
-              <a:t>c</a:t>
-            </a:r>
-            <a:r>
-              <a:t>Σ</a:t>
-            </a:r>
-            <a:r>
-              <a:rPr i="1"/>
-              <a:t>a</a:t>
-            </a:r>
-            <a:r>
-              <a:rPr baseline="-21724" i="1"/>
-              <a:t>i</a:t>
-            </a:r>
-            <a:r>
-              <a:rPr baseline="-21724"/>
-              <a:t>       </a:t>
-            </a:r>
-            <a:endParaRPr baseline="-21724"/>
-          </a:p>
-          <a:p>
-            <a:pPr marL="342246" indent="-302558">
-              <a:spcBef>
-                <a:spcPts val="600"/>
-              </a:spcBef>
-              <a:defRPr sz="2900">
-                <a:latin typeface="Courier New"/>
-                <a:ea typeface="Courier New"/>
-                <a:cs typeface="Courier New"/>
-                <a:sym typeface="Courier New"/>
-              </a:defRPr>
-            </a:pPr>
-            <a:r>
-              <a:t>Σ</a:t>
-            </a:r>
-            <a:r>
-              <a:rPr baseline="-21724" i="1"/>
-              <a:t>l</a:t>
-            </a:r>
-            <a:r>
-              <a:rPr baseline="-21724"/>
-              <a:t>≤</a:t>
-            </a:r>
-            <a:r>
-              <a:rPr baseline="-21724" i="1"/>
-              <a:t>i</a:t>
-            </a:r>
-            <a:r>
-              <a:rPr baseline="-21724"/>
-              <a:t>≤</a:t>
-            </a:r>
-            <a:r>
-              <a:rPr baseline="-21724" i="1"/>
-              <a:t>u</a:t>
-            </a:r>
-            <a:r>
-              <a:rPr i="1"/>
-              <a:t>a</a:t>
-            </a:r>
-            <a:r>
-              <a:rPr baseline="-21724" i="1"/>
-              <a:t>i</a:t>
-            </a:r>
-            <a:r>
-              <a:rPr baseline="-21724"/>
-              <a:t> </a:t>
-            </a:r>
-            <a:r>
-              <a:t>= Σ</a:t>
-            </a:r>
-            <a:r>
-              <a:rPr baseline="-21724" i="1"/>
-              <a:t>l</a:t>
-            </a:r>
-            <a:r>
-              <a:rPr baseline="-21724"/>
-              <a:t>≤</a:t>
-            </a:r>
-            <a:r>
-              <a:rPr baseline="-21724" i="1"/>
-              <a:t>i</a:t>
-            </a:r>
-            <a:r>
-              <a:rPr baseline="-21724"/>
-              <a:t>≤</a:t>
-            </a:r>
-            <a:r>
-              <a:rPr baseline="-21724" i="1"/>
-              <a:t>m</a:t>
-            </a:r>
-            <a:r>
-              <a:rPr i="1"/>
-              <a:t>a</a:t>
-            </a:r>
-            <a:r>
-              <a:rPr baseline="-21724" i="1"/>
-              <a:t>i</a:t>
-            </a:r>
-            <a:r>
-              <a:rPr baseline="-21724"/>
-              <a:t> </a:t>
-            </a:r>
-            <a:r>
-              <a:t>+ Σ</a:t>
-            </a:r>
-            <a:r>
-              <a:rPr baseline="-21724" i="1"/>
-              <a:t>m</a:t>
-            </a:r>
-            <a:r>
-              <a:rPr baseline="-21724"/>
-              <a:t>+1≤</a:t>
-            </a:r>
-            <a:r>
-              <a:rPr baseline="-21724" i="1"/>
-              <a:t>i</a:t>
-            </a:r>
-            <a:r>
-              <a:rPr baseline="-21724"/>
-              <a:t>≤</a:t>
-            </a:r>
-            <a:r>
-              <a:rPr baseline="-21724" i="1"/>
-              <a:t>u</a:t>
-            </a:r>
-            <a:r>
-              <a:rPr i="1"/>
-              <a:t>a</a:t>
-            </a:r>
-            <a:r>
-              <a:rPr baseline="-21724" i="1"/>
-              <a:t>i</a:t>
-            </a:r>
-          </a:p>
-        </p:txBody>
-      </p:sp>
-      <p:sp>
-        <p:nvSpPr>
-          <p:cNvPr id="220" name="Slide Number"/>
+          <p:cNvPr id="219" name="Slide Number"/>
           <p:cNvSpPr txBox="1"/>
           <p:nvPr>
             <p:ph type="sldNum" sz="quarter" idx="2"/>
@@ -18265,7 +17476,7 @@
       </p:sp>
       <p:sp>
         <p:nvSpPr>
-          <p:cNvPr id="221" name="DAA/Performance Analysis"/>
+          <p:cNvPr id="220" name="DAA/Performance Analysis"/>
           <p:cNvSpPr txBox="1"/>
           <p:nvPr/>
         </p:nvSpPr>
@@ -18305,7 +17516,7 @@
       </p:sp>
       <p:sp>
         <p:nvSpPr>
-          <p:cNvPr id="222" name="RPR/"/>
+          <p:cNvPr id="221" name="RPR/"/>
           <p:cNvSpPr txBox="1"/>
           <p:nvPr/>
         </p:nvSpPr>
@@ -18343,6 +17554,1250 @@
           </a:p>
         </p:txBody>
       </p:sp>
+      <p:graphicFrame>
+        <p:nvGraphicFramePr>
+          <p:cNvPr id="222" name="Table"/>
+          <p:cNvGraphicFramePr/>
+          <p:nvPr/>
+        </p:nvGraphicFramePr>
+        <p:xfrm>
+          <a:off x="990600" y="990600"/>
+          <a:ext cx="8178800" cy="5638800"/>
+        </p:xfrm>
+        <a:graphic xmlns:a="http://schemas.openxmlformats.org/drawingml/2006/main">
+          <a:graphicData uri="http://schemas.openxmlformats.org/drawingml/2006/table">
+            <a:tbl>
+              <a:tblPr firstCol="0" firstRow="1" lastCol="0" lastRow="0" bandCol="0" bandRow="0" rtl="0">
+                <a:tableStyleId>{8F44A2F1-9E1F-4B54-A3A2-5F16C0AD49E2}</a:tableStyleId>
+              </a:tblPr>
+              <a:tblGrid>
+                <a:gridCol w="5719578"/>
+                <a:gridCol w="2430647"/>
+              </a:tblGrid>
+              <a:tr h="623358">
+                <a:tc>
+                  <a:txBody>
+                    <a:bodyPr/>
+                    <a:lstStyle/>
+                    <a:p>
+                      <a:pPr marR="40639" algn="l" defTabSz="914400">
+                        <a:lnSpc>
+                          <a:spcPct val="90000"/>
+                        </a:lnSpc>
+                        <a:spcBef>
+                          <a:spcPts val="700"/>
+                        </a:spcBef>
+                        <a:tabLst>
+                          <a:tab pos="914400" algn="l"/>
+                        </a:tabLst>
+                        <a:defRPr sz="1800">
+                          <a:uFillTx/>
+                        </a:defRPr>
+                      </a:pPr>
+                      <a:r>
+                        <a:rPr sz="2500">
+                          <a:uFill>
+                            <a:solidFill>
+                              <a:srgbClr val="000000"/>
+                            </a:solidFill>
+                          </a:uFill>
+                        </a:rPr>
+                        <a:t>Expression</a:t>
+                      </a:r>
+                    </a:p>
+                  </a:txBody>
+                  <a:tcPr marL="50800" marR="50800" marT="50800" marB="50800" anchor="t" anchorCtr="0" horzOverflow="overflow">
+                    <a:lnL w="28575">
+                      <a:solidFill>
+                        <a:srgbClr val="000000"/>
+                      </a:solidFill>
+                      <a:miter lim="400000"/>
+                    </a:lnL>
+                  </a:tcPr>
+                </a:tc>
+                <a:tc>
+                  <a:txBody>
+                    <a:bodyPr/>
+                    <a:lstStyle/>
+                    <a:p>
+                      <a:pPr marR="40639" algn="l" defTabSz="914400">
+                        <a:lnSpc>
+                          <a:spcPct val="90000"/>
+                        </a:lnSpc>
+                        <a:spcBef>
+                          <a:spcPts val="700"/>
+                        </a:spcBef>
+                        <a:tabLst>
+                          <a:tab pos="914400" algn="l"/>
+                        </a:tabLst>
+                        <a:defRPr sz="1800">
+                          <a:uFillTx/>
+                        </a:defRPr>
+                      </a:pPr>
+                      <a:r>
+                        <a:rPr sz="2500">
+                          <a:uFill>
+                            <a:solidFill>
+                              <a:srgbClr val="000000"/>
+                            </a:solidFill>
+                          </a:uFill>
+                        </a:rPr>
+                        <a:t>function</a:t>
+                      </a:r>
+                    </a:p>
+                  </a:txBody>
+                  <a:tcPr marL="50800" marR="50800" marT="50800" marB="50800" anchor="t" anchorCtr="0" horzOverflow="overflow">
+                    <a:lnR w="28575">
+                      <a:solidFill>
+                        <a:srgbClr val="000000"/>
+                      </a:solidFill>
+                      <a:miter lim="400000"/>
+                    </a:lnR>
+                  </a:tcPr>
+                </a:tc>
+              </a:tr>
+              <a:tr h="605625">
+                <a:tc>
+                  <a:txBody>
+                    <a:bodyPr/>
+                    <a:lstStyle/>
+                    <a:p>
+                      <a:pPr marR="40639" algn="l" defTabSz="914400">
+                        <a:lnSpc>
+                          <a:spcPct val="90000"/>
+                        </a:lnSpc>
+                        <a:spcBef>
+                          <a:spcPts val="600"/>
+                        </a:spcBef>
+                        <a:defRPr sz="3200">
+                          <a:latin typeface="+mn-lt"/>
+                          <a:ea typeface="+mn-ea"/>
+                          <a:cs typeface="+mn-cs"/>
+                          <a:sym typeface="Gill Sans"/>
+                        </a:defRPr>
+                      </a:pPr>
+                      <a:r>
+                        <a:rPr>
+                          <a:latin typeface="Courier New"/>
+                          <a:ea typeface="Courier New"/>
+                          <a:cs typeface="Courier New"/>
+                          <a:sym typeface="Courier New"/>
+                        </a:rPr>
+                        <a:t>Σ</a:t>
+                      </a:r>
+                      <a:r>
+                        <a:rPr baseline="-20250" i="1">
+                          <a:latin typeface="Courier New"/>
+                          <a:ea typeface="Courier New"/>
+                          <a:cs typeface="Courier New"/>
+                          <a:sym typeface="Courier New"/>
+                        </a:rPr>
+                        <a:t>l</a:t>
+                      </a:r>
+                      <a:r>
+                        <a:rPr baseline="-20250">
+                          <a:latin typeface="Courier New"/>
+                          <a:ea typeface="Courier New"/>
+                          <a:cs typeface="Courier New"/>
+                          <a:sym typeface="Courier New"/>
+                        </a:rPr>
+                        <a:t>≤</a:t>
+                      </a:r>
+                      <a:r>
+                        <a:rPr baseline="-20250" i="1">
+                          <a:latin typeface="Courier New"/>
+                          <a:ea typeface="Courier New"/>
+                          <a:cs typeface="Courier New"/>
+                          <a:sym typeface="Courier New"/>
+                        </a:rPr>
+                        <a:t>i</a:t>
+                      </a:r>
+                      <a:r>
+                        <a:rPr baseline="-20250">
+                          <a:latin typeface="Courier New"/>
+                          <a:ea typeface="Courier New"/>
+                          <a:cs typeface="Courier New"/>
+                          <a:sym typeface="Courier New"/>
+                        </a:rPr>
+                        <a:t>≤</a:t>
+                      </a:r>
+                      <a:r>
+                        <a:rPr baseline="-20250" i="1">
+                          <a:latin typeface="Courier New"/>
+                          <a:ea typeface="Courier New"/>
+                          <a:cs typeface="Courier New"/>
+                          <a:sym typeface="Courier New"/>
+                        </a:rPr>
+                        <a:t>n</a:t>
+                      </a:r>
+                      <a:r>
+                        <a:rPr>
+                          <a:latin typeface="Courier New"/>
+                          <a:ea typeface="Courier New"/>
+                          <a:cs typeface="Courier New"/>
+                          <a:sym typeface="Courier New"/>
+                        </a:rPr>
+                        <a:t>1 = 1+1+…+1</a:t>
+                      </a:r>
+                      <a:r>
+                        <a:rPr>
+                          <a:latin typeface="Gill Sans MT"/>
+                          <a:ea typeface="Gill Sans MT"/>
+                          <a:cs typeface="Gill Sans MT"/>
+                          <a:sym typeface="Gill Sans MT"/>
+                        </a:rPr>
+                        <a:t> </a:t>
+                      </a:r>
+                      <a:r>
+                        <a:rPr sz="2600">
+                          <a:latin typeface="Gill Sans MT"/>
+                          <a:ea typeface="Gill Sans MT"/>
+                          <a:cs typeface="Gill Sans MT"/>
+                          <a:sym typeface="Gill Sans MT"/>
+                        </a:rPr>
+                        <a:t>(n times)</a:t>
+                      </a:r>
+                    </a:p>
+                  </a:txBody>
+                  <a:tcPr marL="50800" marR="50800" marT="50800" marB="50800" anchor="t" anchorCtr="0" horzOverflow="overflow">
+                    <a:lnL w="28575">
+                      <a:solidFill>
+                        <a:srgbClr val="000000"/>
+                      </a:solidFill>
+                      <a:miter lim="400000"/>
+                    </a:lnL>
+                  </a:tcPr>
+                </a:tc>
+                <a:tc>
+                  <a:txBody>
+                    <a:bodyPr/>
+                    <a:lstStyle/>
+                    <a:p>
+                      <a:pPr marR="40639" algn="l" defTabSz="914400">
+                        <a:lnSpc>
+                          <a:spcPct val="90000"/>
+                        </a:lnSpc>
+                        <a:spcBef>
+                          <a:spcPts val="600"/>
+                        </a:spcBef>
+                        <a:defRPr sz="3200">
+                          <a:latin typeface="Courier New"/>
+                          <a:ea typeface="Courier New"/>
+                          <a:cs typeface="Courier New"/>
+                          <a:sym typeface="Courier New"/>
+                        </a:defRPr>
+                      </a:pPr>
+                      <a:r>
+                        <a:rPr i="1"/>
+                        <a:t>n</a:t>
+                      </a:r>
+                      <a:r>
+                        <a:t>∈Θ(</a:t>
+                      </a:r>
+                      <a:r>
+                        <a:rPr i="1"/>
+                        <a:t>n</a:t>
+                      </a:r>
+                      <a:r>
+                        <a:t>)</a:t>
+                      </a:r>
+                    </a:p>
+                  </a:txBody>
+                  <a:tcPr marL="50800" marR="50800" marT="50800" marB="50800" anchor="t" anchorCtr="0" horzOverflow="overflow">
+                    <a:lnR w="28575">
+                      <a:solidFill>
+                        <a:srgbClr val="000000"/>
+                      </a:solidFill>
+                      <a:miter lim="400000"/>
+                    </a:lnR>
+                  </a:tcPr>
+                </a:tc>
+              </a:tr>
+              <a:tr h="641091">
+                <a:tc>
+                  <a:txBody>
+                    <a:bodyPr/>
+                    <a:lstStyle/>
+                    <a:p>
+                      <a:pPr marR="40639" algn="l" defTabSz="914400">
+                        <a:lnSpc>
+                          <a:spcPct val="90000"/>
+                        </a:lnSpc>
+                        <a:spcBef>
+                          <a:spcPts val="600"/>
+                        </a:spcBef>
+                        <a:defRPr sz="3000">
+                          <a:latin typeface="Courier New"/>
+                          <a:ea typeface="Courier New"/>
+                          <a:cs typeface="Courier New"/>
+                          <a:sym typeface="Courier New"/>
+                        </a:defRPr>
+                      </a:pPr>
+                      <a:r>
+                        <a:t>Σ</a:t>
+                      </a:r>
+                      <a:r>
+                        <a:rPr baseline="-21199"/>
+                        <a:t>1≤</a:t>
+                      </a:r>
+                      <a:r>
+                        <a:rPr baseline="-21199" i="1"/>
+                        <a:t>i</a:t>
+                      </a:r>
+                      <a:r>
+                        <a:rPr baseline="-21199"/>
+                        <a:t>≤</a:t>
+                      </a:r>
+                      <a:r>
+                        <a:rPr baseline="-21199" i="1"/>
+                        <a:t>n</a:t>
+                      </a:r>
+                      <a:r>
+                        <a:rPr baseline="-21199"/>
+                        <a:t> </a:t>
+                      </a:r>
+                      <a:r>
+                        <a:rPr i="1"/>
+                        <a:t>i</a:t>
+                      </a:r>
+                      <a:r>
+                        <a:t>=1+2+…+</a:t>
+                      </a:r>
+                      <a:r>
+                        <a:rPr i="1"/>
+                        <a:t>n</a:t>
+                      </a:r>
+                      <a:r>
+                        <a:t>=</a:t>
+                      </a:r>
+                      <a:r>
+                        <a:rPr i="1"/>
+                        <a:t>n</a:t>
+                      </a:r>
+                      <a:r>
+                        <a:t>(</a:t>
+                      </a:r>
+                      <a:r>
+                        <a:rPr i="1"/>
+                        <a:t>n</a:t>
+                      </a:r>
+                      <a:r>
+                        <a:t>+1)/2</a:t>
+                      </a:r>
+                    </a:p>
+                  </a:txBody>
+                  <a:tcPr marL="50800" marR="50800" marT="50800" marB="50800" anchor="t" anchorCtr="0" horzOverflow="overflow">
+                    <a:lnL w="28575">
+                      <a:solidFill>
+                        <a:srgbClr val="000000"/>
+                      </a:solidFill>
+                      <a:miter lim="400000"/>
+                    </a:lnL>
+                  </a:tcPr>
+                </a:tc>
+                <a:tc>
+                  <a:txBody>
+                    <a:bodyPr/>
+                    <a:lstStyle/>
+                    <a:p>
+                      <a:pPr marR="40639" algn="l" defTabSz="914400">
+                        <a:lnSpc>
+                          <a:spcPct val="90000"/>
+                        </a:lnSpc>
+                        <a:spcBef>
+                          <a:spcPts val="600"/>
+                        </a:spcBef>
+                        <a:defRPr sz="3000">
+                          <a:latin typeface="Courier New"/>
+                          <a:ea typeface="Courier New"/>
+                          <a:cs typeface="Courier New"/>
+                          <a:sym typeface="Courier New"/>
+                        </a:defRPr>
+                      </a:pPr>
+                      <a:r>
+                        <a:rPr i="1" sz="2500"/>
+                        <a:t>n</a:t>
+                      </a:r>
+                      <a:r>
+                        <a:rPr baseline="30079" sz="2500"/>
+                        <a:t>2</a:t>
+                      </a:r>
+                      <a:r>
+                        <a:rPr sz="2500"/>
+                        <a:t>/2∈Θ(</a:t>
+                      </a:r>
+                      <a:r>
+                        <a:rPr i="1" sz="2500"/>
+                        <a:t>n</a:t>
+                      </a:r>
+                      <a:r>
+                        <a:rPr baseline="30399"/>
+                        <a:t>2</a:t>
+                      </a:r>
+                      <a:r>
+                        <a:rPr baseline="-1599"/>
+                        <a:t>)</a:t>
+                      </a:r>
+                    </a:p>
+                  </a:txBody>
+                  <a:tcPr marL="50800" marR="50800" marT="50800" marB="50800" anchor="t" anchorCtr="0" horzOverflow="overflow">
+                    <a:lnR w="28575">
+                      <a:solidFill>
+                        <a:srgbClr val="000000"/>
+                      </a:solidFill>
+                      <a:miter lim="400000"/>
+                    </a:lnR>
+                  </a:tcPr>
+                </a:tc>
+              </a:tr>
+              <a:tr h="756949">
+                <a:tc>
+                  <a:txBody>
+                    <a:bodyPr/>
+                    <a:lstStyle/>
+                    <a:p>
+                      <a:pPr marR="40639" algn="l" defTabSz="914400">
+                        <a:lnSpc>
+                          <a:spcPct val="90000"/>
+                        </a:lnSpc>
+                        <a:spcBef>
+                          <a:spcPts val="600"/>
+                        </a:spcBef>
+                        <a:defRPr sz="3000">
+                          <a:latin typeface="Courier New"/>
+                          <a:ea typeface="Courier New"/>
+                          <a:cs typeface="Courier New"/>
+                          <a:sym typeface="Courier New"/>
+                        </a:defRPr>
+                      </a:pPr>
+                      <a:r>
+                        <a:t>Σ</a:t>
+                      </a:r>
+                      <a:r>
+                        <a:rPr baseline="-21199"/>
+                        <a:t>1≤</a:t>
+                      </a:r>
+                      <a:r>
+                        <a:rPr baseline="-21199" i="1"/>
+                        <a:t>i</a:t>
+                      </a:r>
+                      <a:r>
+                        <a:rPr baseline="-21199"/>
+                        <a:t>≤</a:t>
+                      </a:r>
+                      <a:r>
+                        <a:rPr baseline="-21199" i="1"/>
+                        <a:t>n</a:t>
+                      </a:r>
+                      <a:r>
+                        <a:rPr baseline="-21199"/>
+                        <a:t> </a:t>
+                      </a:r>
+                      <a:r>
+                        <a:rPr i="1"/>
+                        <a:t>i</a:t>
+                      </a:r>
+                      <a:r>
+                        <a:rPr baseline="30399"/>
+                        <a:t>2</a:t>
+                      </a:r>
+                      <a:r>
+                        <a:t> = 1</a:t>
+                      </a:r>
+                      <a:r>
+                        <a:rPr baseline="30399"/>
+                        <a:t>2</a:t>
+                      </a:r>
+                      <a:r>
+                        <a:t>+2</a:t>
+                      </a:r>
+                      <a:r>
+                        <a:rPr baseline="30399"/>
+                        <a:t>2</a:t>
+                      </a:r>
+                      <a:r>
+                        <a:t>+…+</a:t>
+                      </a:r>
+                      <a:r>
+                        <a:rPr i="1"/>
+                        <a:t>n</a:t>
+                      </a:r>
+                      <a:r>
+                        <a:rPr baseline="30399"/>
+                        <a:t>2</a:t>
+                      </a:r>
+                    </a:p>
+                  </a:txBody>
+                  <a:tcPr marL="50800" marR="50800" marT="50800" marB="50800" anchor="t" anchorCtr="0" horzOverflow="overflow">
+                    <a:lnL w="28575">
+                      <a:solidFill>
+                        <a:srgbClr val="000000"/>
+                      </a:solidFill>
+                      <a:miter lim="400000"/>
+                    </a:lnL>
+                  </a:tcPr>
+                </a:tc>
+                <a:tc>
+                  <a:txBody>
+                    <a:bodyPr/>
+                    <a:lstStyle/>
+                    <a:p>
+                      <a:pPr marR="40639" algn="l" defTabSz="914400">
+                        <a:lnSpc>
+                          <a:spcPct val="90000"/>
+                        </a:lnSpc>
+                        <a:spcBef>
+                          <a:spcPts val="600"/>
+                        </a:spcBef>
+                        <a:defRPr sz="2300">
+                          <a:latin typeface="Courier New"/>
+                          <a:ea typeface="Courier New"/>
+                          <a:cs typeface="Courier New"/>
+                          <a:sym typeface="Courier New"/>
+                        </a:defRPr>
+                      </a:pPr>
+                      <a:r>
+                        <a:rPr i="1"/>
+                        <a:t>n</a:t>
+                      </a:r>
+                      <a:r>
+                        <a:rPr>
+                          <a:latin typeface="Gill Sans MT"/>
+                          <a:ea typeface="Gill Sans MT"/>
+                          <a:cs typeface="Gill Sans MT"/>
+                          <a:sym typeface="Gill Sans MT"/>
+                        </a:rPr>
+                        <a:t>(</a:t>
+                      </a:r>
+                      <a:r>
+                        <a:rPr i="1"/>
+                        <a:t>n</a:t>
+                      </a:r>
+                      <a:r>
+                        <a:t>+1</a:t>
+                      </a:r>
+                      <a:r>
+                        <a:rPr>
+                          <a:latin typeface="Gill Sans MT"/>
+                          <a:ea typeface="Gill Sans MT"/>
+                          <a:cs typeface="Gill Sans MT"/>
+                          <a:sym typeface="Gill Sans MT"/>
+                        </a:rPr>
+                        <a:t>)(</a:t>
+                      </a:r>
+                      <a:r>
+                        <a:t>2</a:t>
+                      </a:r>
+                      <a:r>
+                        <a:rPr i="1"/>
+                        <a:t>n</a:t>
+                      </a:r>
+                      <a:r>
+                        <a:t>+1</a:t>
+                      </a:r>
+                      <a:r>
+                        <a:rPr>
+                          <a:latin typeface="Gill Sans MT"/>
+                          <a:ea typeface="Gill Sans MT"/>
+                          <a:cs typeface="Gill Sans MT"/>
+                          <a:sym typeface="Gill Sans MT"/>
+                        </a:rPr>
+                        <a:t>)/</a:t>
+                      </a:r>
+                      <a:r>
+                        <a:t>6</a:t>
+                      </a:r>
+                    </a:p>
+                  </a:txBody>
+                  <a:tcPr marL="50800" marR="50800" marT="50800" marB="50800" anchor="t" anchorCtr="0" horzOverflow="overflow">
+                    <a:lnR w="28575">
+                      <a:solidFill>
+                        <a:srgbClr val="000000"/>
+                      </a:solidFill>
+                      <a:miter lim="400000"/>
+                    </a:lnR>
+                  </a:tcPr>
+                </a:tc>
+              </a:tr>
+              <a:tr h="664093">
+                <a:tc>
+                  <a:txBody>
+                    <a:bodyPr/>
+                    <a:lstStyle/>
+                    <a:p>
+                      <a:pPr marR="40639" algn="l" defTabSz="914400">
+                        <a:lnSpc>
+                          <a:spcPct val="90000"/>
+                        </a:lnSpc>
+                        <a:spcBef>
+                          <a:spcPts val="600"/>
+                        </a:spcBef>
+                        <a:defRPr sz="2900">
+                          <a:latin typeface="Courier New"/>
+                          <a:ea typeface="Courier New"/>
+                          <a:cs typeface="Courier New"/>
+                          <a:sym typeface="Courier New"/>
+                        </a:defRPr>
+                      </a:pPr>
+                      <a:r>
+                        <a:t>Σ</a:t>
+                      </a:r>
+                      <a:r>
+                        <a:rPr baseline="-21724"/>
+                        <a:t>0≤</a:t>
+                      </a:r>
+                      <a:r>
+                        <a:rPr baseline="-21724" i="1"/>
+                        <a:t>i</a:t>
+                      </a:r>
+                      <a:r>
+                        <a:rPr baseline="-21724"/>
+                        <a:t>≤</a:t>
+                      </a:r>
+                      <a:r>
+                        <a:rPr baseline="-21724" i="1"/>
+                        <a:t>n</a:t>
+                      </a:r>
+                      <a:r>
+                        <a:t>2</a:t>
+                      </a:r>
+                      <a:r>
+                        <a:rPr baseline="30344" i="1"/>
+                        <a:t>i</a:t>
+                      </a:r>
+                      <a:r>
+                        <a:rPr baseline="30344"/>
+                        <a:t> </a:t>
+                      </a:r>
+                      <a:r>
+                        <a:t>= 2</a:t>
+                      </a:r>
+                      <a:r>
+                        <a:rPr baseline="30344"/>
+                        <a:t>0 </a:t>
+                      </a:r>
+                      <a:r>
+                        <a:t>+ 2</a:t>
+                      </a:r>
+                      <a:r>
+                        <a:rPr baseline="30344"/>
+                        <a:t>1 </a:t>
+                      </a:r>
+                      <a:r>
+                        <a:t>+…+ 2</a:t>
+                      </a:r>
+                      <a:r>
+                        <a:rPr baseline="30344" i="1"/>
+                        <a:t>n</a:t>
+                      </a:r>
+                    </a:p>
+                  </a:txBody>
+                  <a:tcPr marL="50800" marR="50800" marT="50800" marB="50800" anchor="t" anchorCtr="0" horzOverflow="overflow">
+                    <a:lnL w="28575">
+                      <a:solidFill>
+                        <a:srgbClr val="000000"/>
+                      </a:solidFill>
+                      <a:miter lim="400000"/>
+                    </a:lnL>
+                  </a:tcPr>
+                </a:tc>
+                <a:tc>
+                  <a:txBody>
+                    <a:bodyPr/>
+                    <a:lstStyle/>
+                    <a:p>
+                      <a:pPr marR="40639" algn="l" defTabSz="914400">
+                        <a:lnSpc>
+                          <a:spcPct val="90000"/>
+                        </a:lnSpc>
+                        <a:spcBef>
+                          <a:spcPts val="600"/>
+                        </a:spcBef>
+                        <a:defRPr sz="2600">
+                          <a:latin typeface="Courier New"/>
+                          <a:ea typeface="Courier New"/>
+                          <a:cs typeface="Courier New"/>
+                          <a:sym typeface="Courier New"/>
+                        </a:defRPr>
+                      </a:pPr>
+                      <a:r>
+                        <a:t>2</a:t>
+                      </a:r>
+                      <a:r>
+                        <a:rPr baseline="30153" i="1"/>
+                        <a:t>n</a:t>
+                      </a:r>
+                      <a:r>
+                        <a:rPr baseline="30153"/>
+                        <a:t>+1</a:t>
+                      </a:r>
+                      <a:r>
+                        <a:t>-1∈Θ(2</a:t>
+                      </a:r>
+                      <a:r>
+                        <a:rPr baseline="30153" i="1"/>
+                        <a:t>n</a:t>
+                      </a:r>
+                      <a:r>
+                        <a:rPr baseline="-1846" i="1"/>
+                        <a:t>)</a:t>
+                      </a:r>
+                    </a:p>
+                  </a:txBody>
+                  <a:tcPr marL="50800" marR="50800" marT="50800" marB="50800" anchor="t" anchorCtr="0" horzOverflow="overflow">
+                    <a:lnR w="28575">
+                      <a:solidFill>
+                        <a:srgbClr val="000000"/>
+                      </a:solidFill>
+                      <a:miter lim="400000"/>
+                    </a:lnR>
+                  </a:tcPr>
+                </a:tc>
+              </a:tr>
+              <a:tr h="713832">
+                <a:tc>
+                  <a:txBody>
+                    <a:bodyPr/>
+                    <a:lstStyle/>
+                    <a:p>
+                      <a:pPr marR="40639" algn="l" defTabSz="914400">
+                        <a:lnSpc>
+                          <a:spcPct val="90000"/>
+                        </a:lnSpc>
+                        <a:spcBef>
+                          <a:spcPts val="600"/>
+                        </a:spcBef>
+                        <a:defRPr sz="2900">
+                          <a:latin typeface="Courier New"/>
+                          <a:ea typeface="Courier New"/>
+                          <a:cs typeface="Courier New"/>
+                          <a:sym typeface="Courier New"/>
+                        </a:defRPr>
+                      </a:pPr>
+                      <a:r>
+                        <a:t>Σ</a:t>
+                      </a:r>
+                      <a:r>
+                        <a:rPr baseline="-21724"/>
+                        <a:t>0≤</a:t>
+                      </a:r>
+                      <a:r>
+                        <a:rPr baseline="-21724" i="1"/>
+                        <a:t>i</a:t>
+                      </a:r>
+                      <a:r>
+                        <a:rPr baseline="-21724"/>
+                        <a:t>≤</a:t>
+                      </a:r>
+                      <a:r>
+                        <a:rPr baseline="-21724" i="1"/>
+                        <a:t>n</a:t>
+                      </a:r>
+                      <a:r>
+                        <a:rPr baseline="-21724"/>
+                        <a:t> </a:t>
+                      </a:r>
+                      <a:r>
+                        <a:rPr i="1"/>
+                        <a:t>a</a:t>
+                      </a:r>
+                      <a:r>
+                        <a:rPr baseline="30344" i="1"/>
+                        <a:t>i</a:t>
+                      </a:r>
+                      <a:r>
+                        <a:rPr baseline="30344"/>
+                        <a:t> </a:t>
+                      </a:r>
+                      <a:r>
+                        <a:t>=1+</a:t>
+                      </a:r>
+                      <a:r>
+                        <a:rPr i="1"/>
+                        <a:t>a</a:t>
+                      </a:r>
+                      <a:r>
+                        <a:t>+…+</a:t>
+                      </a:r>
+                      <a:r>
+                        <a:rPr i="1"/>
+                        <a:t>a</a:t>
+                      </a:r>
+                      <a:r>
+                        <a:rPr baseline="30344" i="1"/>
+                        <a:t>n</a:t>
+                      </a:r>
+                    </a:p>
+                  </a:txBody>
+                  <a:tcPr marL="50800" marR="50800" marT="50800" marB="50800" anchor="t" anchorCtr="0" horzOverflow="overflow">
+                    <a:lnL w="28575">
+                      <a:solidFill>
+                        <a:srgbClr val="000000"/>
+                      </a:solidFill>
+                      <a:miter lim="400000"/>
+                    </a:lnL>
+                  </a:tcPr>
+                </a:tc>
+                <a:tc>
+                  <a:txBody>
+                    <a:bodyPr/>
+                    <a:lstStyle/>
+                    <a:p>
+                      <a:pPr marR="40639" algn="l" defTabSz="914400">
+                        <a:lnSpc>
+                          <a:spcPct val="90000"/>
+                        </a:lnSpc>
+                        <a:spcBef>
+                          <a:spcPts val="600"/>
+                        </a:spcBef>
+                        <a:defRPr sz="2600">
+                          <a:latin typeface="Courier New"/>
+                          <a:ea typeface="Courier New"/>
+                          <a:cs typeface="Courier New"/>
+                          <a:sym typeface="Courier New"/>
+                        </a:defRPr>
+                      </a:pPr>
+                      <a:r>
+                        <a:rPr>
+                          <a:latin typeface="Gill Sans MT"/>
+                          <a:ea typeface="Gill Sans MT"/>
+                          <a:cs typeface="Gill Sans MT"/>
+                          <a:sym typeface="Gill Sans MT"/>
+                        </a:rPr>
+                        <a:t>(</a:t>
+                      </a:r>
+                      <a:r>
+                        <a:rPr i="1"/>
+                        <a:t>a</a:t>
+                      </a:r>
+                      <a:r>
+                        <a:rPr baseline="30153" i="1"/>
+                        <a:t>n</a:t>
+                      </a:r>
+                      <a:r>
+                        <a:rPr baseline="30153"/>
+                        <a:t>+1</a:t>
+                      </a:r>
+                      <a:r>
+                        <a:t>-1</a:t>
+                      </a:r>
+                      <a:r>
+                        <a:rPr>
+                          <a:latin typeface="Gill Sans MT"/>
+                          <a:ea typeface="Gill Sans MT"/>
+                          <a:cs typeface="Gill Sans MT"/>
+                          <a:sym typeface="Gill Sans MT"/>
+                        </a:rPr>
+                        <a:t>)/(</a:t>
+                      </a:r>
+                      <a:r>
+                        <a:rPr i="1"/>
+                        <a:t>a</a:t>
+                      </a:r>
+                      <a:r>
+                        <a:t>-1</a:t>
+                      </a:r>
+                      <a:r>
+                        <a:rPr>
+                          <a:latin typeface="Gill Sans MT"/>
+                          <a:ea typeface="Gill Sans MT"/>
+                          <a:cs typeface="Gill Sans MT"/>
+                          <a:sym typeface="Gill Sans MT"/>
+                        </a:rPr>
+                        <a:t>)</a:t>
+                      </a:r>
+                    </a:p>
+                  </a:txBody>
+                  <a:tcPr marL="50800" marR="50800" marT="50800" marB="50800" anchor="t" anchorCtr="0" horzOverflow="overflow">
+                    <a:lnR w="28575">
+                      <a:solidFill>
+                        <a:srgbClr val="000000"/>
+                      </a:solidFill>
+                      <a:miter lim="400000"/>
+                    </a:lnR>
+                  </a:tcPr>
+                </a:tc>
+              </a:tr>
+              <a:tr h="490871">
+                <a:tc>
+                  <a:txBody>
+                    <a:bodyPr/>
+                    <a:lstStyle/>
+                    <a:p>
+                      <a:pPr marR="40639" algn="l" defTabSz="914400">
+                        <a:lnSpc>
+                          <a:spcPct val="90000"/>
+                        </a:lnSpc>
+                        <a:spcBef>
+                          <a:spcPts val="600"/>
+                        </a:spcBef>
+                        <a:defRPr sz="2900">
+                          <a:latin typeface="Courier New"/>
+                          <a:ea typeface="Courier New"/>
+                          <a:cs typeface="Courier New"/>
+                          <a:sym typeface="Courier New"/>
+                        </a:defRPr>
+                      </a:pPr>
+                      <a:r>
+                        <a:t>Σ(</a:t>
+                      </a:r>
+                      <a:r>
+                        <a:rPr i="1"/>
+                        <a:t>a</a:t>
+                      </a:r>
+                      <a:r>
+                        <a:rPr baseline="-21724" i="1"/>
+                        <a:t>i</a:t>
+                      </a:r>
+                      <a:r>
+                        <a:rPr baseline="-21724"/>
+                        <a:t> </a:t>
+                      </a:r>
+                      <a:r>
+                        <a:t>± </a:t>
+                      </a:r>
+                      <a:r>
+                        <a:rPr i="1"/>
+                        <a:t>b</a:t>
+                      </a:r>
+                      <a:r>
+                        <a:rPr baseline="-21724" i="1"/>
+                        <a:t>i</a:t>
+                      </a:r>
+                      <a:r>
+                        <a:t>)</a:t>
+                      </a:r>
+                    </a:p>
+                  </a:txBody>
+                  <a:tcPr marL="50800" marR="50800" marT="50800" marB="50800" anchor="t" anchorCtr="0" horzOverflow="overflow">
+                    <a:lnL w="28575">
+                      <a:solidFill>
+                        <a:srgbClr val="000000"/>
+                      </a:solidFill>
+                      <a:miter lim="400000"/>
+                    </a:lnL>
+                  </a:tcPr>
+                </a:tc>
+                <a:tc>
+                  <a:txBody>
+                    <a:bodyPr/>
+                    <a:lstStyle/>
+                    <a:p>
+                      <a:pPr marR="40639" algn="l" defTabSz="914400">
+                        <a:lnSpc>
+                          <a:spcPct val="90000"/>
+                        </a:lnSpc>
+                        <a:spcBef>
+                          <a:spcPts val="600"/>
+                        </a:spcBef>
+                        <a:defRPr sz="2900">
+                          <a:latin typeface="Courier New"/>
+                          <a:ea typeface="Courier New"/>
+                          <a:cs typeface="Courier New"/>
+                          <a:sym typeface="Courier New"/>
+                        </a:defRPr>
+                      </a:pPr>
+                      <a:r>
+                        <a:t>Σ</a:t>
+                      </a:r>
+                      <a:r>
+                        <a:rPr i="1"/>
+                        <a:t>a</a:t>
+                      </a:r>
+                      <a:r>
+                        <a:rPr baseline="-21724" i="1"/>
+                        <a:t>i</a:t>
+                      </a:r>
+                      <a:r>
+                        <a:rPr baseline="-21724"/>
+                        <a:t> </a:t>
+                      </a:r>
+                      <a:r>
+                        <a:t>± Σ</a:t>
+                      </a:r>
+                      <a:r>
+                        <a:rPr i="1"/>
+                        <a:t>b</a:t>
+                      </a:r>
+                      <a:r>
+                        <a:rPr baseline="-21724" i="1"/>
+                        <a:t>i </a:t>
+                      </a:r>
+                    </a:p>
+                  </a:txBody>
+                  <a:tcPr marL="50800" marR="50800" marT="50800" marB="50800" anchor="t" anchorCtr="0" horzOverflow="overflow">
+                    <a:lnR w="28575">
+                      <a:solidFill>
+                        <a:srgbClr val="000000"/>
+                      </a:solidFill>
+                      <a:miter lim="400000"/>
+                    </a:lnR>
+                  </a:tcPr>
+                </a:tc>
+              </a:tr>
+              <a:tr h="526120">
+                <a:tc>
+                  <a:txBody>
+                    <a:bodyPr/>
+                    <a:lstStyle/>
+                    <a:p>
+                      <a:pPr marR="40639" algn="l" defTabSz="914400">
+                        <a:lnSpc>
+                          <a:spcPct val="90000"/>
+                        </a:lnSpc>
+                        <a:spcBef>
+                          <a:spcPts val="600"/>
+                        </a:spcBef>
+                        <a:defRPr sz="2900">
+                          <a:latin typeface="Courier New"/>
+                          <a:ea typeface="Courier New"/>
+                          <a:cs typeface="Courier New"/>
+                          <a:sym typeface="Courier New"/>
+                        </a:defRPr>
+                      </a:pPr>
+                      <a:r>
+                        <a:t>Σ</a:t>
+                      </a:r>
+                      <a:r>
+                        <a:rPr i="1"/>
+                        <a:t>ca</a:t>
+                      </a:r>
+                      <a:r>
+                        <a:rPr baseline="-21724" i="1"/>
+                        <a:t>i</a:t>
+                      </a:r>
+                    </a:p>
+                  </a:txBody>
+                  <a:tcPr marL="50800" marR="50800" marT="50800" marB="50800" anchor="t" anchorCtr="0" horzOverflow="overflow">
+                    <a:lnL w="28575">
+                      <a:solidFill>
+                        <a:srgbClr val="000000"/>
+                      </a:solidFill>
+                      <a:miter lim="400000"/>
+                    </a:lnL>
+                  </a:tcPr>
+                </a:tc>
+                <a:tc>
+                  <a:txBody>
+                    <a:bodyPr/>
+                    <a:lstStyle/>
+                    <a:p>
+                      <a:pPr marR="40639" algn="l" defTabSz="914400">
+                        <a:lnSpc>
+                          <a:spcPct val="90000"/>
+                        </a:lnSpc>
+                        <a:spcBef>
+                          <a:spcPts val="600"/>
+                        </a:spcBef>
+                        <a:defRPr sz="2900">
+                          <a:latin typeface="Courier New"/>
+                          <a:ea typeface="Courier New"/>
+                          <a:cs typeface="Courier New"/>
+                          <a:sym typeface="Courier New"/>
+                        </a:defRPr>
+                      </a:pPr>
+                      <a:r>
+                        <a:rPr i="1"/>
+                        <a:t>c</a:t>
+                      </a:r>
+                      <a:r>
+                        <a:t>Σ</a:t>
+                      </a:r>
+                      <a:r>
+                        <a:rPr i="1"/>
+                        <a:t>a</a:t>
+                      </a:r>
+                      <a:r>
+                        <a:rPr baseline="-21724" i="1"/>
+                        <a:t>i</a:t>
+                      </a:r>
+                    </a:p>
+                  </a:txBody>
+                  <a:tcPr marL="50800" marR="50800" marT="50800" marB="50800" anchor="t" anchorCtr="0" horzOverflow="overflow">
+                    <a:lnR w="28575">
+                      <a:solidFill>
+                        <a:srgbClr val="000000"/>
+                      </a:solidFill>
+                      <a:miter lim="400000"/>
+                    </a:lnR>
+                  </a:tcPr>
+                </a:tc>
+              </a:tr>
+              <a:tr h="588282">
+                <a:tc>
+                  <a:txBody>
+                    <a:bodyPr/>
+                    <a:lstStyle/>
+                    <a:p>
+                      <a:pPr marR="40639" algn="l" defTabSz="914400">
+                        <a:lnSpc>
+                          <a:spcPct val="90000"/>
+                        </a:lnSpc>
+                        <a:spcBef>
+                          <a:spcPts val="600"/>
+                        </a:spcBef>
+                        <a:defRPr sz="2900">
+                          <a:latin typeface="Courier New"/>
+                          <a:ea typeface="Courier New"/>
+                          <a:cs typeface="Courier New"/>
+                          <a:sym typeface="Courier New"/>
+                        </a:defRPr>
+                      </a:pPr>
+                      <a:r>
+                        <a:t>Σ</a:t>
+                      </a:r>
+                      <a:r>
+                        <a:rPr baseline="-21724" i="1"/>
+                        <a:t>l</a:t>
+                      </a:r>
+                      <a:r>
+                        <a:rPr baseline="-21724"/>
+                        <a:t>≤</a:t>
+                      </a:r>
+                      <a:r>
+                        <a:rPr baseline="-21724" i="1"/>
+                        <a:t>i</a:t>
+                      </a:r>
+                      <a:r>
+                        <a:rPr baseline="-21724"/>
+                        <a:t>≤</a:t>
+                      </a:r>
+                      <a:r>
+                        <a:rPr baseline="-21724" i="1"/>
+                        <a:t>m</a:t>
+                      </a:r>
+                      <a:r>
+                        <a:rPr i="1"/>
+                        <a:t>a</a:t>
+                      </a:r>
+                      <a:r>
+                        <a:rPr baseline="-21724" i="1"/>
+                        <a:t>i</a:t>
+                      </a:r>
+                      <a:r>
+                        <a:rPr baseline="-21724"/>
+                        <a:t> </a:t>
+                      </a:r>
+                      <a:r>
+                        <a:t>+ Σ</a:t>
+                      </a:r>
+                      <a:r>
+                        <a:rPr baseline="-21724" i="1"/>
+                        <a:t>m</a:t>
+                      </a:r>
+                      <a:r>
+                        <a:rPr baseline="-21724"/>
+                        <a:t>+1≤</a:t>
+                      </a:r>
+                      <a:r>
+                        <a:rPr baseline="-21724" i="1"/>
+                        <a:t>i</a:t>
+                      </a:r>
+                      <a:r>
+                        <a:rPr baseline="-21724"/>
+                        <a:t>≤</a:t>
+                      </a:r>
+                      <a:r>
+                        <a:rPr baseline="-21724" i="1"/>
+                        <a:t>u</a:t>
+                      </a:r>
+                      <a:r>
+                        <a:rPr i="1"/>
+                        <a:t>a</a:t>
+                      </a:r>
+                      <a:r>
+                        <a:rPr baseline="-21724" i="1"/>
+                        <a:t>i</a:t>
+                      </a:r>
+                    </a:p>
+                  </a:txBody>
+                  <a:tcPr marL="50800" marR="50800" marT="50800" marB="50800" anchor="t" anchorCtr="0" horzOverflow="overflow">
+                    <a:lnL w="28575">
+                      <a:solidFill>
+                        <a:srgbClr val="000000"/>
+                      </a:solidFill>
+                      <a:miter lim="400000"/>
+                    </a:lnL>
+                    <a:lnB w="28575">
+                      <a:solidFill>
+                        <a:srgbClr val="000000"/>
+                      </a:solidFill>
+                      <a:miter lim="400000"/>
+                    </a:lnB>
+                  </a:tcPr>
+                </a:tc>
+                <a:tc>
+                  <a:txBody>
+                    <a:bodyPr/>
+                    <a:lstStyle/>
+                    <a:p>
+                      <a:pPr marR="40639" algn="l" defTabSz="914400">
+                        <a:lnSpc>
+                          <a:spcPct val="90000"/>
+                        </a:lnSpc>
+                        <a:spcBef>
+                          <a:spcPts val="600"/>
+                        </a:spcBef>
+                        <a:defRPr sz="2900">
+                          <a:latin typeface="Courier New"/>
+                          <a:ea typeface="Courier New"/>
+                          <a:cs typeface="Courier New"/>
+                          <a:sym typeface="Courier New"/>
+                        </a:defRPr>
+                      </a:pPr>
+                      <a:r>
+                        <a:t>Σ</a:t>
+                      </a:r>
+                      <a:r>
+                        <a:rPr baseline="-21724" i="1"/>
+                        <a:t>l</a:t>
+                      </a:r>
+                      <a:r>
+                        <a:rPr baseline="-21724"/>
+                        <a:t>≤</a:t>
+                      </a:r>
+                      <a:r>
+                        <a:rPr baseline="-21724" i="1"/>
+                        <a:t>i</a:t>
+                      </a:r>
+                      <a:r>
+                        <a:rPr baseline="-21724"/>
+                        <a:t>≤</a:t>
+                      </a:r>
+                      <a:r>
+                        <a:rPr baseline="-21724" i="1"/>
+                        <a:t>u</a:t>
+                      </a:r>
+                      <a:r>
+                        <a:rPr i="1"/>
+                        <a:t>a</a:t>
+                      </a:r>
+                      <a:r>
+                        <a:rPr baseline="-21724" i="1"/>
+                        <a:t>i</a:t>
+                      </a:r>
+                    </a:p>
+                  </a:txBody>
+                  <a:tcPr marL="50800" marR="50800" marT="50800" marB="50800" anchor="t" anchorCtr="0" horzOverflow="overflow">
+                    <a:lnR w="28575">
+                      <a:solidFill>
+                        <a:srgbClr val="000000"/>
+                      </a:solidFill>
+                      <a:miter lim="400000"/>
+                    </a:lnR>
+                    <a:lnB w="28575">
+                      <a:solidFill>
+                        <a:srgbClr val="000000"/>
+                      </a:solidFill>
+                      <a:miter lim="400000"/>
+                    </a:lnB>
+                  </a:tcPr>
+                </a:tc>
+              </a:tr>
+            </a:tbl>
+          </a:graphicData>
+        </a:graphic>
+      </p:graphicFrame>
     </p:spTree>
   </p:cSld>
   <p:clrMapOvr>
@@ -18382,423 +18837,7 @@
                                       <p:cBhvr>
                                         <p:cTn id="6" fill="hold"/>
                                         <p:tgtEl>
-                                          <p:spTgt spid="219">
-                                            <p:bg/>
-                                          </p:spTgt>
-                                        </p:tgtEl>
-                                        <p:attrNameLst>
-                                          <p:attrName>style.visibility</p:attrName>
-                                        </p:attrNameLst>
-                                      </p:cBhvr>
-                                      <p:to>
-                                        <p:strVal val="visible"/>
-                                      </p:to>
-                                    </p:set>
-                                  </p:childTnLst>
-                                </p:cTn>
-                              </p:par>
-                              <p:par>
-                                <p:cTn id="7" presetClass="entr" nodeType="withEffect" presetSubtype="0" presetID="1" grpId="1" fill="hold">
-                                  <p:stCondLst>
-                                    <p:cond delay="0"/>
-                                  </p:stCondLst>
-                                  <p:iterate type="el" backwards="0">
-                                    <p:tmAbs val="0"/>
-                                  </p:iterate>
-                                  <p:childTnLst>
-                                    <p:set>
-                                      <p:cBhvr>
-                                        <p:cTn id="8" fill="hold"/>
-                                        <p:tgtEl>
-                                          <p:spTgt spid="219">
-                                            <p:txEl>
-                                              <p:pRg st="0" end="0"/>
-                                            </p:txEl>
-                                          </p:spTgt>
-                                        </p:tgtEl>
-                                        <p:attrNameLst>
-                                          <p:attrName>style.visibility</p:attrName>
-                                        </p:attrNameLst>
-                                      </p:cBhvr>
-                                      <p:to>
-                                        <p:strVal val="visible"/>
-                                      </p:to>
-                                    </p:set>
-                                  </p:childTnLst>
-                                </p:cTn>
-                              </p:par>
-                            </p:childTnLst>
-                          </p:cTn>
-                        </p:par>
-                      </p:childTnLst>
-                    </p:cTn>
-                  </p:par>
-                  <p:par>
-                    <p:cTn id="9" fill="hold">
-                      <p:stCondLst>
-                        <p:cond delay="indefinite"/>
-                      </p:stCondLst>
-                      <p:childTnLst>
-                        <p:par>
-                          <p:cTn id="10" fill="hold">
-                            <p:stCondLst>
-                              <p:cond delay="0"/>
-                            </p:stCondLst>
-                            <p:childTnLst>
-                              <p:par>
-                                <p:cTn id="11" presetClass="entr" nodeType="clickEffect" presetSubtype="0" presetID="1" grpId="1" fill="hold">
-                                  <p:stCondLst>
-                                    <p:cond delay="0"/>
-                                  </p:stCondLst>
-                                  <p:iterate type="el" backwards="0">
-                                    <p:tmAbs val="0"/>
-                                  </p:iterate>
-                                  <p:childTnLst>
-                                    <p:set>
-                                      <p:cBhvr>
-                                        <p:cTn id="12" fill="hold"/>
-                                        <p:tgtEl>
-                                          <p:spTgt spid="219">
-                                            <p:txEl>
-                                              <p:pRg st="1" end="1"/>
-                                            </p:txEl>
-                                          </p:spTgt>
-                                        </p:tgtEl>
-                                        <p:attrNameLst>
-                                          <p:attrName>style.visibility</p:attrName>
-                                        </p:attrNameLst>
-                                      </p:cBhvr>
-                                      <p:to>
-                                        <p:strVal val="visible"/>
-                                      </p:to>
-                                    </p:set>
-                                  </p:childTnLst>
-                                </p:cTn>
-                              </p:par>
-                            </p:childTnLst>
-                          </p:cTn>
-                        </p:par>
-                      </p:childTnLst>
-                    </p:cTn>
-                  </p:par>
-                  <p:par>
-                    <p:cTn id="13" fill="hold">
-                      <p:stCondLst>
-                        <p:cond delay="indefinite"/>
-                      </p:stCondLst>
-                      <p:childTnLst>
-                        <p:par>
-                          <p:cTn id="14" fill="hold">
-                            <p:stCondLst>
-                              <p:cond delay="0"/>
-                            </p:stCondLst>
-                            <p:childTnLst>
-                              <p:par>
-                                <p:cTn id="15" presetClass="entr" nodeType="clickEffect" presetSubtype="0" presetID="1" grpId="1" fill="hold">
-                                  <p:stCondLst>
-                                    <p:cond delay="0"/>
-                                  </p:stCondLst>
-                                  <p:iterate type="el" backwards="0">
-                                    <p:tmAbs val="0"/>
-                                  </p:iterate>
-                                  <p:childTnLst>
-                                    <p:set>
-                                      <p:cBhvr>
-                                        <p:cTn id="16" fill="hold"/>
-                                        <p:tgtEl>
-                                          <p:spTgt spid="219">
-                                            <p:txEl>
-                                              <p:pRg st="2" end="2"/>
-                                            </p:txEl>
-                                          </p:spTgt>
-                                        </p:tgtEl>
-                                        <p:attrNameLst>
-                                          <p:attrName>style.visibility</p:attrName>
-                                        </p:attrNameLst>
-                                      </p:cBhvr>
-                                      <p:to>
-                                        <p:strVal val="visible"/>
-                                      </p:to>
-                                    </p:set>
-                                  </p:childTnLst>
-                                </p:cTn>
-                              </p:par>
-                            </p:childTnLst>
-                          </p:cTn>
-                        </p:par>
-                      </p:childTnLst>
-                    </p:cTn>
-                  </p:par>
-                  <p:par>
-                    <p:cTn id="17" fill="hold">
-                      <p:stCondLst>
-                        <p:cond delay="indefinite"/>
-                      </p:stCondLst>
-                      <p:childTnLst>
-                        <p:par>
-                          <p:cTn id="18" fill="hold">
-                            <p:stCondLst>
-                              <p:cond delay="0"/>
-                            </p:stCondLst>
-                            <p:childTnLst>
-                              <p:par>
-                                <p:cTn id="19" presetClass="entr" nodeType="clickEffect" presetSubtype="0" presetID="1" grpId="1" fill="hold">
-                                  <p:stCondLst>
-                                    <p:cond delay="0"/>
-                                  </p:stCondLst>
-                                  <p:iterate type="el" backwards="0">
-                                    <p:tmAbs val="0"/>
-                                  </p:iterate>
-                                  <p:childTnLst>
-                                    <p:set>
-                                      <p:cBhvr>
-                                        <p:cTn id="20" fill="hold"/>
-                                        <p:tgtEl>
-                                          <p:spTgt spid="219">
-                                            <p:txEl>
-                                              <p:pRg st="3" end="3"/>
-                                            </p:txEl>
-                                          </p:spTgt>
-                                        </p:tgtEl>
-                                        <p:attrNameLst>
-                                          <p:attrName>style.visibility</p:attrName>
-                                        </p:attrNameLst>
-                                      </p:cBhvr>
-                                      <p:to>
-                                        <p:strVal val="visible"/>
-                                      </p:to>
-                                    </p:set>
-                                  </p:childTnLst>
-                                </p:cTn>
-                              </p:par>
-                            </p:childTnLst>
-                          </p:cTn>
-                        </p:par>
-                      </p:childTnLst>
-                    </p:cTn>
-                  </p:par>
-                  <p:par>
-                    <p:cTn id="21" fill="hold">
-                      <p:stCondLst>
-                        <p:cond delay="indefinite"/>
-                      </p:stCondLst>
-                      <p:childTnLst>
-                        <p:par>
-                          <p:cTn id="22" fill="hold">
-                            <p:stCondLst>
-                              <p:cond delay="0"/>
-                            </p:stCondLst>
-                            <p:childTnLst>
-                              <p:par>
-                                <p:cTn id="23" presetClass="entr" nodeType="clickEffect" presetSubtype="0" presetID="1" grpId="1" fill="hold">
-                                  <p:stCondLst>
-                                    <p:cond delay="0"/>
-                                  </p:stCondLst>
-                                  <p:iterate type="el" backwards="0">
-                                    <p:tmAbs val="0"/>
-                                  </p:iterate>
-                                  <p:childTnLst>
-                                    <p:set>
-                                      <p:cBhvr>
-                                        <p:cTn id="24" fill="hold"/>
-                                        <p:tgtEl>
-                                          <p:spTgt spid="219">
-                                            <p:txEl>
-                                              <p:pRg st="4" end="4"/>
-                                            </p:txEl>
-                                          </p:spTgt>
-                                        </p:tgtEl>
-                                        <p:attrNameLst>
-                                          <p:attrName>style.visibility</p:attrName>
-                                        </p:attrNameLst>
-                                      </p:cBhvr>
-                                      <p:to>
-                                        <p:strVal val="visible"/>
-                                      </p:to>
-                                    </p:set>
-                                  </p:childTnLst>
-                                </p:cTn>
-                              </p:par>
-                            </p:childTnLst>
-                          </p:cTn>
-                        </p:par>
-                      </p:childTnLst>
-                    </p:cTn>
-                  </p:par>
-                  <p:par>
-                    <p:cTn id="25" fill="hold">
-                      <p:stCondLst>
-                        <p:cond delay="indefinite"/>
-                      </p:stCondLst>
-                      <p:childTnLst>
-                        <p:par>
-                          <p:cTn id="26" fill="hold">
-                            <p:stCondLst>
-                              <p:cond delay="0"/>
-                            </p:stCondLst>
-                            <p:childTnLst>
-                              <p:par>
-                                <p:cTn id="27" presetClass="entr" nodeType="clickEffect" presetSubtype="0" presetID="1" grpId="1" fill="hold">
-                                  <p:stCondLst>
-                                    <p:cond delay="0"/>
-                                  </p:stCondLst>
-                                  <p:iterate type="el" backwards="0">
-                                    <p:tmAbs val="0"/>
-                                  </p:iterate>
-                                  <p:childTnLst>
-                                    <p:set>
-                                      <p:cBhvr>
-                                        <p:cTn id="28" fill="hold"/>
-                                        <p:tgtEl>
-                                          <p:spTgt spid="219">
-                                            <p:txEl>
-                                              <p:pRg st="5" end="5"/>
-                                            </p:txEl>
-                                          </p:spTgt>
-                                        </p:tgtEl>
-                                        <p:attrNameLst>
-                                          <p:attrName>style.visibility</p:attrName>
-                                        </p:attrNameLst>
-                                      </p:cBhvr>
-                                      <p:to>
-                                        <p:strVal val="visible"/>
-                                      </p:to>
-                                    </p:set>
-                                  </p:childTnLst>
-                                </p:cTn>
-                              </p:par>
-                            </p:childTnLst>
-                          </p:cTn>
-                        </p:par>
-                      </p:childTnLst>
-                    </p:cTn>
-                  </p:par>
-                  <p:par>
-                    <p:cTn id="29" fill="hold">
-                      <p:stCondLst>
-                        <p:cond delay="indefinite"/>
-                      </p:stCondLst>
-                      <p:childTnLst>
-                        <p:par>
-                          <p:cTn id="30" fill="hold">
-                            <p:stCondLst>
-                              <p:cond delay="0"/>
-                            </p:stCondLst>
-                            <p:childTnLst>
-                              <p:par>
-                                <p:cTn id="31" presetClass="entr" nodeType="clickEffect" presetSubtype="0" presetID="1" grpId="1" fill="hold">
-                                  <p:stCondLst>
-                                    <p:cond delay="0"/>
-                                  </p:stCondLst>
-                                  <p:iterate type="el" backwards="0">
-                                    <p:tmAbs val="0"/>
-                                  </p:iterate>
-                                  <p:childTnLst>
-                                    <p:set>
-                                      <p:cBhvr>
-                                        <p:cTn id="32" fill="hold"/>
-                                        <p:tgtEl>
-                                          <p:spTgt spid="219">
-                                            <p:txEl>
-                                              <p:pRg st="6" end="6"/>
-                                            </p:txEl>
-                                          </p:spTgt>
-                                        </p:tgtEl>
-                                        <p:attrNameLst>
-                                          <p:attrName>style.visibility</p:attrName>
-                                        </p:attrNameLst>
-                                      </p:cBhvr>
-                                      <p:to>
-                                        <p:strVal val="visible"/>
-                                      </p:to>
-                                    </p:set>
-                                  </p:childTnLst>
-                                </p:cTn>
-                              </p:par>
-                            </p:childTnLst>
-                          </p:cTn>
-                        </p:par>
-                      </p:childTnLst>
-                    </p:cTn>
-                  </p:par>
-                  <p:par>
-                    <p:cTn id="33" fill="hold">
-                      <p:stCondLst>
-                        <p:cond delay="indefinite"/>
-                      </p:stCondLst>
-                      <p:childTnLst>
-                        <p:par>
-                          <p:cTn id="34" fill="hold">
-                            <p:stCondLst>
-                              <p:cond delay="0"/>
-                            </p:stCondLst>
-                            <p:childTnLst>
-                              <p:par>
-                                <p:cTn id="35" presetClass="entr" nodeType="clickEffect" presetSubtype="0" presetID="1" grpId="1" fill="hold">
-                                  <p:stCondLst>
-                                    <p:cond delay="0"/>
-                                  </p:stCondLst>
-                                  <p:iterate type="el" backwards="0">
-                                    <p:tmAbs val="0"/>
-                                  </p:iterate>
-                                  <p:childTnLst>
-                                    <p:set>
-                                      <p:cBhvr>
-                                        <p:cTn id="36" fill="hold"/>
-                                        <p:tgtEl>
-                                          <p:spTgt spid="219">
-                                            <p:txEl>
-                                              <p:pRg st="7" end="7"/>
-                                            </p:txEl>
-                                          </p:spTgt>
-                                        </p:tgtEl>
-                                        <p:attrNameLst>
-                                          <p:attrName>style.visibility</p:attrName>
-                                        </p:attrNameLst>
-                                      </p:cBhvr>
-                                      <p:to>
-                                        <p:strVal val="visible"/>
-                                      </p:to>
-                                    </p:set>
-                                  </p:childTnLst>
-                                </p:cTn>
-                              </p:par>
-                            </p:childTnLst>
-                          </p:cTn>
-                        </p:par>
-                      </p:childTnLst>
-                    </p:cTn>
-                  </p:par>
-                  <p:par>
-                    <p:cTn id="37" fill="hold">
-                      <p:stCondLst>
-                        <p:cond delay="indefinite"/>
-                      </p:stCondLst>
-                      <p:childTnLst>
-                        <p:par>
-                          <p:cTn id="38" fill="hold">
-                            <p:stCondLst>
-                              <p:cond delay="0"/>
-                            </p:stCondLst>
-                            <p:childTnLst>
-                              <p:par>
-                                <p:cTn id="39" presetClass="entr" nodeType="clickEffect" presetSubtype="0" presetID="1" grpId="1" fill="hold">
-                                  <p:stCondLst>
-                                    <p:cond delay="0"/>
-                                  </p:stCondLst>
-                                  <p:iterate type="el" backwards="0">
-                                    <p:tmAbs val="0"/>
-                                  </p:iterate>
-                                  <p:childTnLst>
-                                    <p:set>
-                                      <p:cBhvr>
-                                        <p:cTn id="40" fill="hold"/>
-                                        <p:tgtEl>
-                                          <p:spTgt spid="219">
-                                            <p:txEl>
-                                              <p:pRg st="8" end="8"/>
-                                            </p:txEl>
-                                          </p:spTgt>
+                                          <p:spTgt spid="222"/>
                                         </p:tgtEl>
                                         <p:attrNameLst>
                                           <p:attrName>style.visibility</p:attrName>
@@ -18839,7 +18878,7 @@
       </p:par>
     </p:tnLst>
     <p:bldLst>
-      <p:bldP build="p" bldLvl="5" animBg="1" rev="0" advAuto="0" spid="219" grpId="1"/>
+      <p:bldP build="whole" bldLvl="1" animBg="1" rev="0" advAuto="0" spid="222" grpId="1"/>
     </p:bldLst>
   </p:timing>
 </p:sld>
@@ -20140,9 +20179,9 @@
       </p:par>
     </p:tnLst>
     <p:bldLst>
+      <p:bldP build="whole" bldLvl="1" animBg="1" rev="0" advAuto="0" spid="49" grpId="2"/>
+      <p:bldP build="p" bldLvl="5" animBg="1" rev="0" advAuto="0" spid="50" grpId="3"/>
       <p:bldP build="p" bldLvl="5" animBg="1" rev="0" advAuto="0" spid="45" grpId="1"/>
-      <p:bldP build="p" bldLvl="5" animBg="1" rev="0" advAuto="0" spid="50" grpId="3"/>
-      <p:bldP build="whole" bldLvl="1" animBg="1" rev="0" advAuto="0" spid="49" grpId="2"/>
     </p:bldLst>
   </p:timing>
 </p:sld>
@@ -23313,9 +23352,9 @@
     </p:tnLst>
     <p:bldLst>
       <p:bldP build="whole" bldLvl="1" animBg="1" rev="0" advAuto="0" spid="64" grpId="3"/>
-      <p:bldP build="whole" bldLvl="1" animBg="1" rev="0" advAuto="0" spid="66" grpId="5"/>
       <p:bldP build="p" bldLvl="5" animBg="1" rev="0" advAuto="0" spid="59" grpId="1"/>
       <p:bldP build="whole" bldLvl="1" animBg="1" rev="0" advAuto="0" spid="65" grpId="4"/>
+      <p:bldP build="whole" bldLvl="1" animBg="1" rev="0" advAuto="0" spid="66" grpId="5"/>
       <p:bldP build="whole" bldLvl="1" animBg="1" rev="0" advAuto="0" spid="63" grpId="2"/>
     </p:bldLst>
   </p:timing>
